--- a/cs18010-presentation-slides.pptx
+++ b/cs18010-presentation-slides.pptx
@@ -6,6 +6,7 @@
   </p:sldMasterIdLst>
   <p:sldIdLst>
     <p:sldId id="256" r:id="rId2"/>
+    <p:sldId id="257" r:id="rId3"/>
   </p:sldIdLst>
   <p:sldSz cx="12192000" cy="6858000"/>
   <p:notesSz cx="6858000" cy="9144000"/>
@@ -104,6 +105,11 @@
       </a:defRPr>
     </a:lvl9pPr>
   </p:defaultTextStyle>
+  <p:extLst>
+    <p:ext uri="{EFAFB233-063F-42B5-8137-9DF3F51BA10A}">
+      <p15:sldGuideLst xmlns:p15="http://schemas.microsoft.com/office/powerpoint/2012/main"/>
+    </p:ext>
+  </p:extLst>
 </p:presentation>
 </file>
 
@@ -238,7 +244,7 @@
           <a:p>
             <a:fld id="{EB2BBE80-3FA7-4A34-B142-9278BE9D5D3A}" type="datetimeFigureOut">
               <a:rPr lang="en-GB" smtClean="0"/>
-              <a:t>03/02/2016</a:t>
+              <a:t>07/02/2016</a:t>
             </a:fld>
             <a:endParaRPr lang="en-GB"/>
           </a:p>
@@ -408,7 +414,7 @@
           <a:p>
             <a:fld id="{EB2BBE80-3FA7-4A34-B142-9278BE9D5D3A}" type="datetimeFigureOut">
               <a:rPr lang="en-GB" smtClean="0"/>
-              <a:t>03/02/2016</a:t>
+              <a:t>07/02/2016</a:t>
             </a:fld>
             <a:endParaRPr lang="en-GB"/>
           </a:p>
@@ -588,7 +594,7 @@
           <a:p>
             <a:fld id="{EB2BBE80-3FA7-4A34-B142-9278BE9D5D3A}" type="datetimeFigureOut">
               <a:rPr lang="en-GB" smtClean="0"/>
-              <a:t>03/02/2016</a:t>
+              <a:t>07/02/2016</a:t>
             </a:fld>
             <a:endParaRPr lang="en-GB"/>
           </a:p>
@@ -758,7 +764,7 @@
           <a:p>
             <a:fld id="{EB2BBE80-3FA7-4A34-B142-9278BE9D5D3A}" type="datetimeFigureOut">
               <a:rPr lang="en-GB" smtClean="0"/>
-              <a:t>03/02/2016</a:t>
+              <a:t>07/02/2016</a:t>
             </a:fld>
             <a:endParaRPr lang="en-GB"/>
           </a:p>
@@ -1004,7 +1010,7 @@
           <a:p>
             <a:fld id="{EB2BBE80-3FA7-4A34-B142-9278BE9D5D3A}" type="datetimeFigureOut">
               <a:rPr lang="en-GB" smtClean="0"/>
-              <a:t>03/02/2016</a:t>
+              <a:t>07/02/2016</a:t>
             </a:fld>
             <a:endParaRPr lang="en-GB"/>
           </a:p>
@@ -1236,7 +1242,7 @@
           <a:p>
             <a:fld id="{EB2BBE80-3FA7-4A34-B142-9278BE9D5D3A}" type="datetimeFigureOut">
               <a:rPr lang="en-GB" smtClean="0"/>
-              <a:t>03/02/2016</a:t>
+              <a:t>07/02/2016</a:t>
             </a:fld>
             <a:endParaRPr lang="en-GB"/>
           </a:p>
@@ -1603,7 +1609,7 @@
           <a:p>
             <a:fld id="{EB2BBE80-3FA7-4A34-B142-9278BE9D5D3A}" type="datetimeFigureOut">
               <a:rPr lang="en-GB" smtClean="0"/>
-              <a:t>03/02/2016</a:t>
+              <a:t>07/02/2016</a:t>
             </a:fld>
             <a:endParaRPr lang="en-GB"/>
           </a:p>
@@ -1721,7 +1727,7 @@
           <a:p>
             <a:fld id="{EB2BBE80-3FA7-4A34-B142-9278BE9D5D3A}" type="datetimeFigureOut">
               <a:rPr lang="en-GB" smtClean="0"/>
-              <a:t>03/02/2016</a:t>
+              <a:t>07/02/2016</a:t>
             </a:fld>
             <a:endParaRPr lang="en-GB"/>
           </a:p>
@@ -1816,7 +1822,7 @@
           <a:p>
             <a:fld id="{EB2BBE80-3FA7-4A34-B142-9278BE9D5D3A}" type="datetimeFigureOut">
               <a:rPr lang="en-GB" smtClean="0"/>
-              <a:t>03/02/2016</a:t>
+              <a:t>07/02/2016</a:t>
             </a:fld>
             <a:endParaRPr lang="en-GB"/>
           </a:p>
@@ -2093,7 +2099,7 @@
           <a:p>
             <a:fld id="{EB2BBE80-3FA7-4A34-B142-9278BE9D5D3A}" type="datetimeFigureOut">
               <a:rPr lang="en-GB" smtClean="0"/>
-              <a:t>03/02/2016</a:t>
+              <a:t>07/02/2016</a:t>
             </a:fld>
             <a:endParaRPr lang="en-GB"/>
           </a:p>
@@ -2346,7 +2352,7 @@
           <a:p>
             <a:fld id="{EB2BBE80-3FA7-4A34-B142-9278BE9D5D3A}" type="datetimeFigureOut">
               <a:rPr lang="en-GB" smtClean="0"/>
-              <a:t>03/02/2016</a:t>
+              <a:t>07/02/2016</a:t>
             </a:fld>
             <a:endParaRPr lang="en-GB"/>
           </a:p>
@@ -2559,7 +2565,7 @@
           <a:p>
             <a:fld id="{EB2BBE80-3FA7-4A34-B142-9278BE9D5D3A}" type="datetimeFigureOut">
               <a:rPr lang="en-GB" smtClean="0"/>
-              <a:t>03/02/2016</a:t>
+              <a:t>07/02/2016</a:t>
             </a:fld>
             <a:endParaRPr lang="en-GB"/>
           </a:p>
@@ -2979,7 +2985,15 @@
           <a:bodyPr/>
           <a:lstStyle/>
           <a:p>
-            <a:endParaRPr lang="en-GB"/>
+            <a:r>
+              <a:rPr lang="en-GB" dirty="0" smtClean="0"/>
+              <a:t>Return of the </a:t>
+            </a:r>
+            <a:r>
+              <a:rPr lang="en-GB" dirty="0" err="1" smtClean="0"/>
+              <a:t>Greeps</a:t>
+            </a:r>
+            <a:endParaRPr lang="en-GB" dirty="0"/>
           </a:p>
         </p:txBody>
       </p:sp>
@@ -2993,12 +3007,70 @@
             <p:ph type="subTitle" idx="1"/>
           </p:nvPr>
         </p:nvSpPr>
-        <p:spPr/>
-        <p:txBody>
-          <a:bodyPr/>
-          <a:lstStyle/>
-          <a:p>
-            <a:endParaRPr lang="en-GB"/>
+        <p:spPr>
+          <a:xfrm>
+            <a:off x="0" y="4458248"/>
+            <a:ext cx="3197629" cy="2399752"/>
+          </a:xfrm>
+        </p:spPr>
+        <p:txBody>
+          <a:bodyPr>
+            <a:normAutofit fontScale="92500" lnSpcReduction="10000"/>
+          </a:bodyPr>
+          <a:lstStyle/>
+          <a:p>
+            <a:r>
+              <a:rPr lang="en-GB" dirty="0" smtClean="0"/>
+              <a:t>CS18010</a:t>
+            </a:r>
+          </a:p>
+          <a:p>
+            <a:r>
+              <a:rPr lang="en-GB" dirty="0" smtClean="0"/>
+              <a:t>Team Members:</a:t>
+            </a:r>
+          </a:p>
+          <a:p>
+            <a:r>
+              <a:rPr lang="en-GB" dirty="0" smtClean="0"/>
+              <a:t>Tomos Fearn</a:t>
+            </a:r>
+          </a:p>
+          <a:p>
+            <a:r>
+              <a:rPr lang="en-GB" dirty="0" err="1" smtClean="0"/>
+              <a:t>Kamil</a:t>
+            </a:r>
+            <a:r>
+              <a:rPr lang="en-GB" dirty="0" smtClean="0"/>
+              <a:t> </a:t>
+            </a:r>
+            <a:r>
+              <a:rPr lang="en-GB" dirty="0" err="1" smtClean="0"/>
+              <a:t>Cupial</a:t>
+            </a:r>
+            <a:endParaRPr lang="en-GB" dirty="0"/>
+          </a:p>
+          <a:p>
+            <a:r>
+              <a:rPr lang="en-GB" dirty="0" smtClean="0"/>
+              <a:t>Ashley Evans</a:t>
+            </a:r>
+          </a:p>
+          <a:p>
+            <a:r>
+              <a:rPr lang="en-GB" dirty="0" err="1" smtClean="0"/>
+              <a:t>Sorres</a:t>
+            </a:r>
+            <a:r>
+              <a:rPr lang="en-GB" dirty="0" smtClean="0"/>
+              <a:t> </a:t>
+            </a:r>
+            <a:r>
+              <a:rPr lang="en-GB" dirty="0" err="1" smtClean="0"/>
+              <a:t>Arslan</a:t>
+            </a:r>
+            <a:endParaRPr lang="en-GB" dirty="0"/>
           </a:p>
         </p:txBody>
       </p:sp>
@@ -3012,6 +3084,302 @@
   <p:clrMapOvr>
     <a:masterClrMapping/>
   </p:clrMapOvr>
+  <p:timing>
+    <p:tnLst>
+      <p:par>
+        <p:cTn id="1" dur="indefinite" restart="never" nodeType="tmRoot"/>
+      </p:par>
+    </p:tnLst>
+  </p:timing>
+</p:sld>
+</file>
+
+<file path=ppt/slides/slide2.xml><?xml version="1.0" encoding="utf-8"?>
+<p:sld xmlns:a="http://schemas.openxmlformats.org/drawingml/2006/main" xmlns:r="http://schemas.openxmlformats.org/officeDocument/2006/relationships" xmlns:p="http://schemas.openxmlformats.org/presentationml/2006/main">
+  <p:cSld>
+    <p:spTree>
+      <p:nvGrpSpPr>
+        <p:cNvPr id="1" name=""/>
+        <p:cNvGrpSpPr/>
+        <p:nvPr/>
+      </p:nvGrpSpPr>
+      <p:grpSpPr>
+        <a:xfrm>
+          <a:off x="0" y="0"/>
+          <a:ext cx="0" cy="0"/>
+          <a:chOff x="0" y="0"/>
+          <a:chExt cx="0" cy="0"/>
+        </a:xfrm>
+      </p:grpSpPr>
+      <p:sp>
+        <p:nvSpPr>
+          <p:cNvPr id="2" name="Title 1"/>
+          <p:cNvSpPr>
+            <a:spLocks noGrp="1"/>
+          </p:cNvSpPr>
+          <p:nvPr>
+            <p:ph type="title"/>
+          </p:nvPr>
+        </p:nvSpPr>
+        <p:spPr/>
+        <p:txBody>
+          <a:bodyPr/>
+          <a:lstStyle/>
+          <a:p>
+            <a:r>
+              <a:rPr lang="en-GB" dirty="0" smtClean="0"/>
+              <a:t>Problems we faced with our </a:t>
+            </a:r>
+            <a:r>
+              <a:rPr lang="en-GB" dirty="0" err="1" smtClean="0"/>
+              <a:t>Greeps</a:t>
+            </a:r>
+            <a:endParaRPr lang="en-GB" dirty="0"/>
+          </a:p>
+        </p:txBody>
+      </p:sp>
+      <p:sp>
+        <p:nvSpPr>
+          <p:cNvPr id="3" name="Content Placeholder 2"/>
+          <p:cNvSpPr>
+            <a:spLocks noGrp="1"/>
+          </p:cNvSpPr>
+          <p:nvPr>
+            <p:ph idx="1"/>
+          </p:nvPr>
+        </p:nvSpPr>
+        <p:spPr/>
+        <p:txBody>
+          <a:bodyPr/>
+          <a:lstStyle/>
+          <a:p>
+            <a:r>
+              <a:rPr lang="en-GB" dirty="0" smtClean="0"/>
+              <a:t>Biggest </a:t>
+            </a:r>
+            <a:r>
+              <a:rPr lang="en-GB" dirty="0" err="1" smtClean="0"/>
+              <a:t>Greep</a:t>
+            </a:r>
+            <a:r>
+              <a:rPr lang="en-GB" dirty="0" smtClean="0"/>
+              <a:t> problem:</a:t>
+            </a:r>
+          </a:p>
+          <a:p>
+            <a:pPr marL="0" indent="0">
+              <a:buNone/>
+            </a:pPr>
+            <a:r>
+              <a:rPr lang="en-GB" dirty="0"/>
+              <a:t>	</a:t>
+            </a:r>
+            <a:r>
+              <a:rPr lang="en-GB" dirty="0" err="1" smtClean="0"/>
+              <a:t>Greeps</a:t>
+            </a:r>
+            <a:r>
+              <a:rPr lang="en-GB" dirty="0" smtClean="0"/>
+              <a:t> are very stupid.</a:t>
+            </a:r>
+          </a:p>
+          <a:p>
+            <a:r>
+              <a:rPr lang="en-GB" dirty="0" smtClean="0"/>
+              <a:t>Memory:</a:t>
+            </a:r>
+          </a:p>
+          <a:p>
+            <a:pPr marL="0" indent="0">
+              <a:buNone/>
+            </a:pPr>
+            <a:r>
+              <a:rPr lang="en-GB" dirty="0"/>
+              <a:t>	</a:t>
+            </a:r>
+            <a:r>
+              <a:rPr lang="en-GB" dirty="0" err="1" smtClean="0"/>
+              <a:t>Greeps</a:t>
+            </a:r>
+            <a:r>
+              <a:rPr lang="en-GB" dirty="0" smtClean="0"/>
+              <a:t> would often go back to their known pile of tomatoes. Even if they were all gone they would stick to these coordinates.</a:t>
+            </a:r>
+          </a:p>
+          <a:p>
+            <a:r>
+              <a:rPr lang="en-GB" dirty="0" smtClean="0"/>
+              <a:t>Forgetful:</a:t>
+            </a:r>
+          </a:p>
+          <a:p>
+            <a:pPr marL="0" indent="0">
+              <a:buNone/>
+            </a:pPr>
+            <a:r>
+              <a:rPr lang="en-GB" dirty="0"/>
+              <a:t>	</a:t>
+            </a:r>
+            <a:r>
+              <a:rPr lang="en-GB" dirty="0" smtClean="0"/>
+              <a:t>Their ship has its own data bank because the </a:t>
+            </a:r>
+            <a:r>
+              <a:rPr lang="en-GB" dirty="0" err="1" smtClean="0"/>
+              <a:t>Greeps</a:t>
+            </a:r>
+            <a:r>
+              <a:rPr lang="en-GB" dirty="0" smtClean="0"/>
+              <a:t> can only know where one pile is at a time.			To </a:t>
+            </a:r>
+            <a:r>
+              <a:rPr lang="en-GB" smtClean="0"/>
+              <a:t>be continued..</a:t>
+            </a:r>
+            <a:endParaRPr lang="en-GB" dirty="0"/>
+          </a:p>
+        </p:txBody>
+      </p:sp>
+      <p:pic>
+        <p:nvPicPr>
+          <p:cNvPr id="1026" name="Picture 2" descr="http://www.greenfoot.org/assets/greeps/greep-big-88464df317d37d9fb9b5fb922ae992a3.png"/>
+          <p:cNvPicPr>
+            <a:picLocks noChangeAspect="1" noChangeArrowheads="1"/>
+          </p:cNvPicPr>
+          <p:nvPr/>
+        </p:nvPicPr>
+        <p:blipFill>
+          <a:blip r:embed="rId2">
+            <a:extLst>
+              <a:ext uri="{28A0092B-C50C-407E-A947-70E740481C1C}">
+                <a14:useLocalDpi xmlns:a14="http://schemas.microsoft.com/office/drawing/2010/main" val="0"/>
+              </a:ext>
+            </a:extLst>
+          </a:blip>
+          <a:srcRect/>
+          <a:stretch>
+            <a:fillRect/>
+          </a:stretch>
+        </p:blipFill>
+        <p:spPr bwMode="auto">
+          <a:xfrm rot="9117226">
+            <a:off x="9255499" y="147580"/>
+            <a:ext cx="2284085" cy="1760649"/>
+          </a:xfrm>
+          <a:prstGeom prst="rect">
+            <a:avLst/>
+          </a:prstGeom>
+          <a:noFill/>
+          <a:extLst>
+            <a:ext uri="{909E8E84-426E-40DD-AFC4-6F175D3DCCD1}">
+              <a14:hiddenFill xmlns:a14="http://schemas.microsoft.com/office/drawing/2010/main">
+                <a:solidFill>
+                  <a:srgbClr val="FFFFFF"/>
+                </a:solidFill>
+              </a14:hiddenFill>
+            </a:ext>
+          </a:extLst>
+        </p:spPr>
+      </p:pic>
+      <p:pic>
+        <p:nvPicPr>
+          <p:cNvPr id="1028" name="Picture 4" descr="http://outlookcolumbus.com/wp-content/uploads/2015/03/dory.jpg"/>
+          <p:cNvPicPr>
+            <a:picLocks noChangeAspect="1" noChangeArrowheads="1"/>
+          </p:cNvPicPr>
+          <p:nvPr/>
+        </p:nvPicPr>
+        <p:blipFill>
+          <a:blip r:embed="rId3" cstate="print">
+            <a:extLst>
+              <a:ext uri="{28A0092B-C50C-407E-A947-70E740481C1C}">
+                <a14:useLocalDpi xmlns:a14="http://schemas.microsoft.com/office/drawing/2010/main" val="0"/>
+              </a:ext>
+            </a:extLst>
+          </a:blip>
+          <a:srcRect/>
+          <a:stretch>
+            <a:fillRect/>
+          </a:stretch>
+        </p:blipFill>
+        <p:spPr bwMode="auto">
+          <a:xfrm>
+            <a:off x="5835159" y="5203065"/>
+            <a:ext cx="1863087" cy="1551948"/>
+          </a:xfrm>
+          <a:prstGeom prst="rect">
+            <a:avLst/>
+          </a:prstGeom>
+          <a:noFill/>
+          <a:extLst>
+            <a:ext uri="{909E8E84-426E-40DD-AFC4-6F175D3DCCD1}">
+              <a14:hiddenFill xmlns:a14="http://schemas.microsoft.com/office/drawing/2010/main">
+                <a:solidFill>
+                  <a:srgbClr val="FFFFFF"/>
+                </a:solidFill>
+              </a14:hiddenFill>
+            </a:ext>
+          </a:extLst>
+        </p:spPr>
+      </p:pic>
+      <p:pic>
+        <p:nvPicPr>
+          <p:cNvPr id="6" name="Picture 2" descr="http://www.greenfoot.org/assets/greeps/greep-big-88464df317d37d9fb9b5fb922ae992a3.png"/>
+          <p:cNvPicPr>
+            <a:picLocks noChangeAspect="1" noChangeArrowheads="1"/>
+          </p:cNvPicPr>
+          <p:nvPr/>
+        </p:nvPicPr>
+        <p:blipFill>
+          <a:blip r:embed="rId4" cstate="print">
+            <a:extLst>
+              <a:ext uri="{28A0092B-C50C-407E-A947-70E740481C1C}">
+                <a14:useLocalDpi xmlns:a14="http://schemas.microsoft.com/office/drawing/2010/main" val="0"/>
+              </a:ext>
+            </a:extLst>
+          </a:blip>
+          <a:srcRect/>
+          <a:stretch>
+            <a:fillRect/>
+          </a:stretch>
+        </p:blipFill>
+        <p:spPr bwMode="auto">
+          <a:xfrm rot="12681166">
+            <a:off x="6819301" y="5561390"/>
+            <a:ext cx="442479" cy="326365"/>
+          </a:xfrm>
+          <a:prstGeom prst="rect">
+            <a:avLst/>
+          </a:prstGeom>
+          <a:noFill/>
+          <a:extLst>
+            <a:ext uri="{909E8E84-426E-40DD-AFC4-6F175D3DCCD1}">
+              <a14:hiddenFill xmlns:a14="http://schemas.microsoft.com/office/drawing/2010/main">
+                <a:solidFill>
+                  <a:srgbClr val="FFFFFF"/>
+                </a:solidFill>
+              </a14:hiddenFill>
+            </a:ext>
+          </a:extLst>
+        </p:spPr>
+      </p:pic>
+    </p:spTree>
+    <p:extLst>
+      <p:ext uri="{BB962C8B-B14F-4D97-AF65-F5344CB8AC3E}">
+        <p14:creationId xmlns:p14="http://schemas.microsoft.com/office/powerpoint/2010/main" val="3431481412"/>
+      </p:ext>
+    </p:extLst>
+  </p:cSld>
+  <p:clrMapOvr>
+    <a:masterClrMapping/>
+  </p:clrMapOvr>
+  <p:timing>
+    <p:tnLst>
+      <p:par>
+        <p:cTn id="1" dur="indefinite" restart="never" nodeType="tmRoot"/>
+      </p:par>
+    </p:tnLst>
+  </p:timing>
 </p:sld>
 </file>
 

--- a/cs18010-presentation-slides.pptx
+++ b/cs18010-presentation-slides.pptx
@@ -6,7 +6,17 @@
   </p:sldMasterIdLst>
   <p:sldIdLst>
     <p:sldId id="256" r:id="rId2"/>
-    <p:sldId id="257" r:id="rId3"/>
+    <p:sldId id="259" r:id="rId3"/>
+    <p:sldId id="260" r:id="rId4"/>
+    <p:sldId id="263" r:id="rId5"/>
+    <p:sldId id="261" r:id="rId6"/>
+    <p:sldId id="262" r:id="rId7"/>
+    <p:sldId id="258" r:id="rId8"/>
+    <p:sldId id="266" r:id="rId9"/>
+    <p:sldId id="267" r:id="rId10"/>
+    <p:sldId id="268" r:id="rId11"/>
+    <p:sldId id="264" r:id="rId12"/>
+    <p:sldId id="265" r:id="rId13"/>
   </p:sldIdLst>
   <p:sldSz cx="12192000" cy="6858000"/>
   <p:notesSz cx="6858000" cy="9144000"/>
@@ -2999,7 +3009,7 @@
       </p:sp>
       <p:sp>
         <p:nvSpPr>
-          <p:cNvPr id="3" name="Subtitle 2"/>
+          <p:cNvPr id="5" name="Subtitle 4"/>
           <p:cNvSpPr>
             <a:spLocks noGrp="1"/>
           </p:cNvSpPr>
@@ -3007,70 +3017,12 @@
             <p:ph type="subTitle" idx="1"/>
           </p:nvPr>
         </p:nvSpPr>
-        <p:spPr>
-          <a:xfrm>
-            <a:off x="0" y="4458248"/>
-            <a:ext cx="3197629" cy="2399752"/>
-          </a:xfrm>
-        </p:spPr>
-        <p:txBody>
-          <a:bodyPr>
-            <a:normAutofit fontScale="92500" lnSpcReduction="10000"/>
-          </a:bodyPr>
-          <a:lstStyle/>
-          <a:p>
-            <a:r>
-              <a:rPr lang="en-GB" dirty="0" smtClean="0"/>
-              <a:t>CS18010</a:t>
-            </a:r>
-          </a:p>
-          <a:p>
-            <a:r>
-              <a:rPr lang="en-GB" dirty="0" smtClean="0"/>
-              <a:t>Team Members:</a:t>
-            </a:r>
-          </a:p>
-          <a:p>
-            <a:r>
-              <a:rPr lang="en-GB" dirty="0" smtClean="0"/>
-              <a:t>Tomos Fearn</a:t>
-            </a:r>
-          </a:p>
-          <a:p>
-            <a:r>
-              <a:rPr lang="en-GB" dirty="0" err="1" smtClean="0"/>
-              <a:t>Kamil</a:t>
-            </a:r>
-            <a:r>
-              <a:rPr lang="en-GB" dirty="0" smtClean="0"/>
-              <a:t> </a:t>
-            </a:r>
-            <a:r>
-              <a:rPr lang="en-GB" dirty="0" err="1" smtClean="0"/>
-              <a:t>Cupial</a:t>
-            </a:r>
-            <a:endParaRPr lang="en-GB" dirty="0"/>
-          </a:p>
-          <a:p>
-            <a:r>
-              <a:rPr lang="en-GB" dirty="0" smtClean="0"/>
-              <a:t>Ashley Evans</a:t>
-            </a:r>
-          </a:p>
-          <a:p>
-            <a:r>
-              <a:rPr lang="en-GB" dirty="0" err="1" smtClean="0"/>
-              <a:t>Sorres</a:t>
-            </a:r>
-            <a:r>
-              <a:rPr lang="en-GB" dirty="0" smtClean="0"/>
-              <a:t> </a:t>
-            </a:r>
-            <a:r>
-              <a:rPr lang="en-GB" dirty="0" err="1" smtClean="0"/>
-              <a:t>Arslan</a:t>
-            </a:r>
-            <a:endParaRPr lang="en-GB" dirty="0"/>
+        <p:spPr/>
+        <p:txBody>
+          <a:bodyPr/>
+          <a:lstStyle/>
+          <a:p>
+            <a:endParaRPr lang="en-GB"/>
           </a:p>
         </p:txBody>
       </p:sp>
@@ -3078,6 +3030,551 @@
     <p:extLst>
       <p:ext uri="{BB962C8B-B14F-4D97-AF65-F5344CB8AC3E}">
         <p14:creationId xmlns:p14="http://schemas.microsoft.com/office/powerpoint/2010/main" val="2796557773"/>
+      </p:ext>
+    </p:extLst>
+  </p:cSld>
+  <p:clrMapOvr>
+    <a:masterClrMapping/>
+  </p:clrMapOvr>
+  <p:timing>
+    <p:tnLst>
+      <p:par>
+        <p:cTn id="1" dur="indefinite" restart="never" nodeType="tmRoot"/>
+      </p:par>
+    </p:tnLst>
+  </p:timing>
+</p:sld>
+</file>
+
+<file path=ppt/slides/slide10.xml><?xml version="1.0" encoding="utf-8"?>
+<p:sld xmlns:a="http://schemas.openxmlformats.org/drawingml/2006/main" xmlns:r="http://schemas.openxmlformats.org/officeDocument/2006/relationships" xmlns:p="http://schemas.openxmlformats.org/presentationml/2006/main">
+  <p:cSld>
+    <p:spTree>
+      <p:nvGrpSpPr>
+        <p:cNvPr id="1" name=""/>
+        <p:cNvGrpSpPr/>
+        <p:nvPr/>
+      </p:nvGrpSpPr>
+      <p:grpSpPr>
+        <a:xfrm>
+          <a:off x="0" y="0"/>
+          <a:ext cx="0" cy="0"/>
+          <a:chOff x="0" y="0"/>
+          <a:chExt cx="0" cy="0"/>
+        </a:xfrm>
+      </p:grpSpPr>
+      <p:sp>
+        <p:nvSpPr>
+          <p:cNvPr id="2" name="Title 1"/>
+          <p:cNvSpPr>
+            <a:spLocks noGrp="1"/>
+          </p:cNvSpPr>
+          <p:nvPr>
+            <p:ph type="title"/>
+          </p:nvPr>
+        </p:nvSpPr>
+        <p:spPr/>
+        <p:txBody>
+          <a:bodyPr/>
+          <a:lstStyle/>
+          <a:p>
+            <a:r>
+              <a:rPr lang="en-GB" dirty="0" smtClean="0"/>
+              <a:t>Our Main Problems</a:t>
+            </a:r>
+            <a:endParaRPr lang="en-GB" dirty="0"/>
+          </a:p>
+        </p:txBody>
+      </p:sp>
+      <p:sp>
+        <p:nvSpPr>
+          <p:cNvPr id="3" name="Content Placeholder 2"/>
+          <p:cNvSpPr>
+            <a:spLocks noGrp="1"/>
+          </p:cNvSpPr>
+          <p:nvPr>
+            <p:ph idx="1"/>
+          </p:nvPr>
+        </p:nvSpPr>
+        <p:spPr>
+          <a:xfrm>
+            <a:off x="95250" y="1196975"/>
+            <a:ext cx="8880446" cy="4351338"/>
+          </a:xfrm>
+        </p:spPr>
+        <p:txBody>
+          <a:bodyPr/>
+          <a:lstStyle/>
+          <a:p>
+            <a:r>
+              <a:rPr lang="en-GB" dirty="0" smtClean="0"/>
+              <a:t>The invisible tomatoes</a:t>
+            </a:r>
+          </a:p>
+          <a:p>
+            <a:r>
+              <a:rPr lang="en-GB" dirty="0" smtClean="0"/>
+              <a:t>Problem:</a:t>
+            </a:r>
+          </a:p>
+          <a:p>
+            <a:pPr marL="685800" lvl="2">
+              <a:spcBef>
+                <a:spcPts val="1000"/>
+              </a:spcBef>
+            </a:pPr>
+            <a:r>
+              <a:rPr lang="en-GB" dirty="0" err="1"/>
+              <a:t>Greeps</a:t>
+            </a:r>
+            <a:r>
+              <a:rPr lang="en-GB" dirty="0"/>
+              <a:t> </a:t>
+            </a:r>
+            <a:r>
+              <a:rPr lang="en-GB" dirty="0" smtClean="0"/>
+              <a:t>return to the location where they found tomatoes and then stay there even when there are no tomatoes.</a:t>
+            </a:r>
+          </a:p>
+          <a:p>
+            <a:r>
+              <a:rPr lang="en-GB" dirty="0" smtClean="0"/>
+              <a:t>Solution: </a:t>
+            </a:r>
+          </a:p>
+          <a:p>
+            <a:pPr lvl="1"/>
+            <a:r>
+              <a:rPr lang="en-GB" dirty="0" smtClean="0"/>
+              <a:t>Every time a </a:t>
+            </a:r>
+            <a:r>
+              <a:rPr lang="en-GB" dirty="0" err="1" smtClean="0"/>
+              <a:t>Greep</a:t>
+            </a:r>
+            <a:r>
+              <a:rPr lang="en-GB" dirty="0" smtClean="0"/>
+              <a:t> returns to the Ship it reads the memory bank from the ship where locations of the piles of tomatoes are known </a:t>
+            </a:r>
+          </a:p>
+          <a:p>
+            <a:pPr lvl="1"/>
+            <a:endParaRPr lang="en-GB" dirty="0" smtClean="0"/>
+          </a:p>
+          <a:p>
+            <a:pPr lvl="1"/>
+            <a:endParaRPr lang="en-GB" dirty="0"/>
+          </a:p>
+        </p:txBody>
+      </p:sp>
+      <p:pic>
+        <p:nvPicPr>
+          <p:cNvPr id="4" name="Picture 2" descr="http://www.greenfoot.org/assets/greeps/greep-big-88464df317d37d9fb9b5fb922ae992a3.png"/>
+          <p:cNvPicPr>
+            <a:picLocks noChangeAspect="1" noChangeArrowheads="1"/>
+          </p:cNvPicPr>
+          <p:nvPr/>
+        </p:nvPicPr>
+        <p:blipFill>
+          <a:blip r:embed="rId2">
+            <a:extLst>
+              <a:ext uri="{28A0092B-C50C-407E-A947-70E740481C1C}">
+                <a14:useLocalDpi xmlns:a14="http://schemas.microsoft.com/office/drawing/2010/main" val="0"/>
+              </a:ext>
+            </a:extLst>
+          </a:blip>
+          <a:srcRect/>
+          <a:stretch>
+            <a:fillRect/>
+          </a:stretch>
+        </p:blipFill>
+        <p:spPr bwMode="auto">
+          <a:xfrm rot="9117226">
+            <a:off x="9255499" y="147580"/>
+            <a:ext cx="2284085" cy="1760649"/>
+          </a:xfrm>
+          <a:prstGeom prst="rect">
+            <a:avLst/>
+          </a:prstGeom>
+          <a:noFill/>
+          <a:extLst>
+            <a:ext uri="{909E8E84-426E-40DD-AFC4-6F175D3DCCD1}">
+              <a14:hiddenFill xmlns:a14="http://schemas.microsoft.com/office/drawing/2010/main">
+                <a:solidFill>
+                  <a:srgbClr val="FFFFFF"/>
+                </a:solidFill>
+              </a14:hiddenFill>
+            </a:ext>
+          </a:extLst>
+        </p:spPr>
+      </p:pic>
+      <p:sp>
+        <p:nvSpPr>
+          <p:cNvPr id="9" name="TextBox 8"/>
+          <p:cNvSpPr txBox="1"/>
+          <p:nvPr/>
+        </p:nvSpPr>
+        <p:spPr>
+          <a:xfrm>
+            <a:off x="9182100" y="211341"/>
+            <a:ext cx="1047750" cy="646331"/>
+          </a:xfrm>
+          <a:prstGeom prst="rect">
+            <a:avLst/>
+          </a:prstGeom>
+          <a:noFill/>
+        </p:spPr>
+        <p:txBody>
+          <a:bodyPr wrap="square" rtlCol="0">
+            <a:spAutoFit/>
+          </a:bodyPr>
+          <a:lstStyle/>
+          <a:p>
+            <a:pPr algn="ctr"/>
+            <a:r>
+              <a:rPr lang="en-GB" sz="3600" dirty="0" smtClean="0"/>
+              <a:t>?</a:t>
+            </a:r>
+            <a:endParaRPr lang="en-GB" sz="3600" dirty="0"/>
+          </a:p>
+        </p:txBody>
+      </p:sp>
+      <p:sp>
+        <p:nvSpPr>
+          <p:cNvPr id="10" name="TextBox 9"/>
+          <p:cNvSpPr txBox="1"/>
+          <p:nvPr/>
+        </p:nvSpPr>
+        <p:spPr>
+          <a:xfrm>
+            <a:off x="8817919" y="1841322"/>
+            <a:ext cx="3460768" cy="1631216"/>
+          </a:xfrm>
+          <a:prstGeom prst="rect">
+            <a:avLst/>
+          </a:prstGeom>
+          <a:noFill/>
+        </p:spPr>
+        <p:txBody>
+          <a:bodyPr wrap="square" rtlCol="0">
+            <a:spAutoFit/>
+          </a:bodyPr>
+          <a:lstStyle/>
+          <a:p>
+            <a:pPr algn="ctr"/>
+            <a:r>
+              <a:rPr lang="en-GB" sz="2000" dirty="0" smtClean="0"/>
+              <a:t>These tomatoes don’t have an invisibility cloak, the </a:t>
+            </a:r>
+            <a:r>
+              <a:rPr lang="en-GB" sz="2000" dirty="0" err="1"/>
+              <a:t>G</a:t>
+            </a:r>
+            <a:r>
+              <a:rPr lang="en-GB" sz="2000" dirty="0" err="1" smtClean="0"/>
+              <a:t>reeps</a:t>
+            </a:r>
+            <a:r>
+              <a:rPr lang="en-GB" sz="2000" dirty="0" smtClean="0"/>
+              <a:t> just return to the location where they last found a tomato.</a:t>
+            </a:r>
+            <a:endParaRPr lang="en-GB" sz="2000" dirty="0"/>
+          </a:p>
+        </p:txBody>
+      </p:sp>
+      <p:pic>
+        <p:nvPicPr>
+          <p:cNvPr id="5" name="Picture 4"/>
+          <p:cNvPicPr>
+            <a:picLocks noChangeAspect="1"/>
+          </p:cNvPicPr>
+          <p:nvPr/>
+        </p:nvPicPr>
+        <p:blipFill>
+          <a:blip r:embed="rId3" cstate="print">
+            <a:extLst>
+              <a:ext uri="{28A0092B-C50C-407E-A947-70E740481C1C}">
+                <a14:useLocalDpi xmlns:a14="http://schemas.microsoft.com/office/drawing/2010/main" val="0"/>
+              </a:ext>
+            </a:extLst>
+          </a:blip>
+          <a:stretch>
+            <a:fillRect/>
+          </a:stretch>
+        </p:blipFill>
+        <p:spPr>
+          <a:xfrm>
+            <a:off x="8731232" y="3684588"/>
+            <a:ext cx="3389678" cy="2695575"/>
+          </a:xfrm>
+          <a:prstGeom prst="rect">
+            <a:avLst/>
+          </a:prstGeom>
+        </p:spPr>
+      </p:pic>
+    </p:spTree>
+    <p:extLst>
+      <p:ext uri="{BB962C8B-B14F-4D97-AF65-F5344CB8AC3E}">
+        <p14:creationId xmlns:p14="http://schemas.microsoft.com/office/powerpoint/2010/main" val="1686019264"/>
+      </p:ext>
+    </p:extLst>
+  </p:cSld>
+  <p:clrMapOvr>
+    <a:masterClrMapping/>
+  </p:clrMapOvr>
+  <p:timing>
+    <p:tnLst>
+      <p:par>
+        <p:cTn id="1" dur="indefinite" restart="never" nodeType="tmRoot"/>
+      </p:par>
+    </p:tnLst>
+  </p:timing>
+</p:sld>
+</file>
+
+<file path=ppt/slides/slide11.xml><?xml version="1.0" encoding="utf-8"?>
+<p:sld xmlns:a="http://schemas.openxmlformats.org/drawingml/2006/main" xmlns:r="http://schemas.openxmlformats.org/officeDocument/2006/relationships" xmlns:p="http://schemas.openxmlformats.org/presentationml/2006/main">
+  <p:cSld>
+    <p:spTree>
+      <p:nvGrpSpPr>
+        <p:cNvPr id="1" name=""/>
+        <p:cNvGrpSpPr/>
+        <p:nvPr/>
+      </p:nvGrpSpPr>
+      <p:grpSpPr>
+        <a:xfrm>
+          <a:off x="0" y="0"/>
+          <a:ext cx="0" cy="0"/>
+          <a:chOff x="0" y="0"/>
+          <a:chExt cx="0" cy="0"/>
+        </a:xfrm>
+      </p:grpSpPr>
+      <p:sp>
+        <p:nvSpPr>
+          <p:cNvPr id="2" name="Title 1"/>
+          <p:cNvSpPr>
+            <a:spLocks noGrp="1"/>
+          </p:cNvSpPr>
+          <p:nvPr>
+            <p:ph type="title"/>
+          </p:nvPr>
+        </p:nvSpPr>
+        <p:spPr/>
+        <p:txBody>
+          <a:bodyPr/>
+          <a:lstStyle/>
+          <a:p>
+            <a:r>
+              <a:rPr lang="en-GB" dirty="0" smtClean="0"/>
+              <a:t>The Demo</a:t>
+            </a:r>
+            <a:endParaRPr lang="en-GB" dirty="0"/>
+          </a:p>
+        </p:txBody>
+      </p:sp>
+      <p:sp>
+        <p:nvSpPr>
+          <p:cNvPr id="3" name="Content Placeholder 2"/>
+          <p:cNvSpPr>
+            <a:spLocks noGrp="1"/>
+          </p:cNvSpPr>
+          <p:nvPr>
+            <p:ph idx="1"/>
+          </p:nvPr>
+        </p:nvSpPr>
+        <p:spPr/>
+        <p:txBody>
+          <a:bodyPr/>
+          <a:lstStyle/>
+          <a:p>
+            <a:r>
+              <a:rPr lang="en-GB" dirty="0" smtClean="0"/>
+              <a:t>Our Demo!</a:t>
+            </a:r>
+            <a:endParaRPr lang="en-GB" dirty="0"/>
+          </a:p>
+        </p:txBody>
+      </p:sp>
+      <p:pic>
+        <p:nvPicPr>
+          <p:cNvPr id="4" name="Picture 2" descr="http://www.greenfoot.org/assets/greeps/greep-big-88464df317d37d9fb9b5fb922ae992a3.png"/>
+          <p:cNvPicPr>
+            <a:picLocks noChangeAspect="1" noChangeArrowheads="1"/>
+          </p:cNvPicPr>
+          <p:nvPr/>
+        </p:nvPicPr>
+        <p:blipFill>
+          <a:blip r:embed="rId2">
+            <a:extLst>
+              <a:ext uri="{28A0092B-C50C-407E-A947-70E740481C1C}">
+                <a14:useLocalDpi xmlns:a14="http://schemas.microsoft.com/office/drawing/2010/main" val="0"/>
+              </a:ext>
+            </a:extLst>
+          </a:blip>
+          <a:srcRect/>
+          <a:stretch>
+            <a:fillRect/>
+          </a:stretch>
+        </p:blipFill>
+        <p:spPr bwMode="auto">
+          <a:xfrm rot="9117226">
+            <a:off x="9255499" y="147580"/>
+            <a:ext cx="2284085" cy="1760649"/>
+          </a:xfrm>
+          <a:prstGeom prst="rect">
+            <a:avLst/>
+          </a:prstGeom>
+          <a:noFill/>
+          <a:extLst>
+            <a:ext uri="{909E8E84-426E-40DD-AFC4-6F175D3DCCD1}">
+              <a14:hiddenFill xmlns:a14="http://schemas.microsoft.com/office/drawing/2010/main">
+                <a:solidFill>
+                  <a:srgbClr val="FFFFFF"/>
+                </a:solidFill>
+              </a14:hiddenFill>
+            </a:ext>
+          </a:extLst>
+        </p:spPr>
+      </p:pic>
+    </p:spTree>
+    <p:extLst>
+      <p:ext uri="{BB962C8B-B14F-4D97-AF65-F5344CB8AC3E}">
+        <p14:creationId xmlns:p14="http://schemas.microsoft.com/office/powerpoint/2010/main" val="138661032"/>
+      </p:ext>
+    </p:extLst>
+  </p:cSld>
+  <p:clrMapOvr>
+    <a:masterClrMapping/>
+  </p:clrMapOvr>
+  <p:timing>
+    <p:tnLst>
+      <p:par>
+        <p:cTn id="1" dur="indefinite" restart="never" nodeType="tmRoot"/>
+      </p:par>
+    </p:tnLst>
+  </p:timing>
+</p:sld>
+</file>
+
+<file path=ppt/slides/slide12.xml><?xml version="1.0" encoding="utf-8"?>
+<p:sld xmlns:a="http://schemas.openxmlformats.org/drawingml/2006/main" xmlns:r="http://schemas.openxmlformats.org/officeDocument/2006/relationships" xmlns:p="http://schemas.openxmlformats.org/presentationml/2006/main">
+  <p:cSld>
+    <p:spTree>
+      <p:nvGrpSpPr>
+        <p:cNvPr id="1" name=""/>
+        <p:cNvGrpSpPr/>
+        <p:nvPr/>
+      </p:nvGrpSpPr>
+      <p:grpSpPr>
+        <a:xfrm>
+          <a:off x="0" y="0"/>
+          <a:ext cx="0" cy="0"/>
+          <a:chOff x="0" y="0"/>
+          <a:chExt cx="0" cy="0"/>
+        </a:xfrm>
+      </p:grpSpPr>
+      <p:sp>
+        <p:nvSpPr>
+          <p:cNvPr id="2" name="Title 1"/>
+          <p:cNvSpPr>
+            <a:spLocks noGrp="1"/>
+          </p:cNvSpPr>
+          <p:nvPr>
+            <p:ph type="title"/>
+          </p:nvPr>
+        </p:nvSpPr>
+        <p:spPr/>
+        <p:txBody>
+          <a:bodyPr/>
+          <a:lstStyle/>
+          <a:p>
+            <a:r>
+              <a:rPr lang="en-GB" dirty="0" smtClean="0"/>
+              <a:t>Our Teamwork</a:t>
+            </a:r>
+            <a:endParaRPr lang="en-GB" dirty="0"/>
+          </a:p>
+        </p:txBody>
+      </p:sp>
+      <p:sp>
+        <p:nvSpPr>
+          <p:cNvPr id="3" name="Content Placeholder 2"/>
+          <p:cNvSpPr>
+            <a:spLocks noGrp="1"/>
+          </p:cNvSpPr>
+          <p:nvPr>
+            <p:ph idx="1"/>
+          </p:nvPr>
+        </p:nvSpPr>
+        <p:spPr/>
+        <p:txBody>
+          <a:bodyPr/>
+          <a:lstStyle/>
+          <a:p>
+            <a:r>
+              <a:rPr lang="en-GB" dirty="0" smtClean="0"/>
+              <a:t>How was the </a:t>
+            </a:r>
+            <a:r>
+              <a:rPr lang="en-GB" dirty="0"/>
+              <a:t>experience of working in a </a:t>
+            </a:r>
+            <a:r>
+              <a:rPr lang="en-GB" dirty="0" smtClean="0"/>
+              <a:t>group?</a:t>
+            </a:r>
+            <a:endParaRPr lang="en-GB" dirty="0"/>
+          </a:p>
+          <a:p>
+            <a:endParaRPr lang="en-GB" dirty="0"/>
+          </a:p>
+        </p:txBody>
+      </p:sp>
+      <p:pic>
+        <p:nvPicPr>
+          <p:cNvPr id="4" name="Picture 2" descr="http://www.greenfoot.org/assets/greeps/greep-big-88464df317d37d9fb9b5fb922ae992a3.png"/>
+          <p:cNvPicPr>
+            <a:picLocks noChangeAspect="1" noChangeArrowheads="1"/>
+          </p:cNvPicPr>
+          <p:nvPr/>
+        </p:nvPicPr>
+        <p:blipFill>
+          <a:blip r:embed="rId2">
+            <a:extLst>
+              <a:ext uri="{28A0092B-C50C-407E-A947-70E740481C1C}">
+                <a14:useLocalDpi xmlns:a14="http://schemas.microsoft.com/office/drawing/2010/main" val="0"/>
+              </a:ext>
+            </a:extLst>
+          </a:blip>
+          <a:srcRect/>
+          <a:stretch>
+            <a:fillRect/>
+          </a:stretch>
+        </p:blipFill>
+        <p:spPr bwMode="auto">
+          <a:xfrm rot="9117226">
+            <a:off x="9255499" y="147580"/>
+            <a:ext cx="2284085" cy="1760649"/>
+          </a:xfrm>
+          <a:prstGeom prst="rect">
+            <a:avLst/>
+          </a:prstGeom>
+          <a:noFill/>
+          <a:extLst>
+            <a:ext uri="{909E8E84-426E-40DD-AFC4-6F175D3DCCD1}">
+              <a14:hiddenFill xmlns:a14="http://schemas.microsoft.com/office/drawing/2010/main">
+                <a:solidFill>
+                  <a:srgbClr val="FFFFFF"/>
+                </a:solidFill>
+              </a14:hiddenFill>
+            </a:ext>
+          </a:extLst>
+        </p:spPr>
+      </p:pic>
+    </p:spTree>
+    <p:extLst>
+      <p:ext uri="{BB962C8B-B14F-4D97-AF65-F5344CB8AC3E}">
+        <p14:creationId xmlns:p14="http://schemas.microsoft.com/office/powerpoint/2010/main" val="2871556327"/>
       </p:ext>
     </p:extLst>
   </p:cSld>
@@ -3118,7 +3615,7 @@
             <a:spLocks noGrp="1"/>
           </p:cNvSpPr>
           <p:nvPr>
-            <p:ph type="title"/>
+            <p:ph type="ctrTitle"/>
           </p:nvPr>
         </p:nvSpPr>
         <p:spPr/>
@@ -3128,7 +3625,7 @@
           <a:p>
             <a:r>
               <a:rPr lang="en-GB" dirty="0" smtClean="0"/>
-              <a:t>Problems we faced with our </a:t>
+              <a:t>Return of the </a:t>
             </a:r>
             <a:r>
               <a:rPr lang="en-GB" dirty="0" err="1" smtClean="0"/>
@@ -3138,6 +3635,308 @@
           </a:p>
         </p:txBody>
       </p:sp>
+      <p:pic>
+        <p:nvPicPr>
+          <p:cNvPr id="4" name="Picture 2" descr="http://www.greenfoot.org/assets/greeps/greep-big-88464df317d37d9fb9b5fb922ae992a3.png"/>
+          <p:cNvPicPr>
+            <a:picLocks noChangeAspect="1" noChangeArrowheads="1"/>
+          </p:cNvPicPr>
+          <p:nvPr/>
+        </p:nvPicPr>
+        <p:blipFill>
+          <a:blip r:embed="rId2">
+            <a:extLst>
+              <a:ext uri="{28A0092B-C50C-407E-A947-70E740481C1C}">
+                <a14:useLocalDpi xmlns:a14="http://schemas.microsoft.com/office/drawing/2010/main" val="0"/>
+              </a:ext>
+            </a:extLst>
+          </a:blip>
+          <a:srcRect/>
+          <a:stretch>
+            <a:fillRect/>
+          </a:stretch>
+        </p:blipFill>
+        <p:spPr bwMode="auto">
+          <a:xfrm rot="9117226">
+            <a:off x="9255499" y="147580"/>
+            <a:ext cx="2284085" cy="1760649"/>
+          </a:xfrm>
+          <a:prstGeom prst="rect">
+            <a:avLst/>
+          </a:prstGeom>
+          <a:noFill/>
+          <a:extLst>
+            <a:ext uri="{909E8E84-426E-40DD-AFC4-6F175D3DCCD1}">
+              <a14:hiddenFill xmlns:a14="http://schemas.microsoft.com/office/drawing/2010/main">
+                <a:solidFill>
+                  <a:srgbClr val="FFFFFF"/>
+                </a:solidFill>
+              </a14:hiddenFill>
+            </a:ext>
+          </a:extLst>
+        </p:spPr>
+      </p:pic>
+      <p:sp>
+        <p:nvSpPr>
+          <p:cNvPr id="5" name="Subtitle 4"/>
+          <p:cNvSpPr>
+            <a:spLocks noGrp="1"/>
+          </p:cNvSpPr>
+          <p:nvPr>
+            <p:ph type="subTitle" idx="1"/>
+          </p:nvPr>
+        </p:nvSpPr>
+        <p:spPr/>
+        <p:txBody>
+          <a:bodyPr/>
+          <a:lstStyle/>
+          <a:p>
+            <a:endParaRPr lang="en-GB"/>
+          </a:p>
+        </p:txBody>
+      </p:sp>
+    </p:spTree>
+    <p:extLst>
+      <p:ext uri="{BB962C8B-B14F-4D97-AF65-F5344CB8AC3E}">
+        <p14:creationId xmlns:p14="http://schemas.microsoft.com/office/powerpoint/2010/main" val="494090224"/>
+      </p:ext>
+    </p:extLst>
+  </p:cSld>
+  <p:clrMapOvr>
+    <a:masterClrMapping/>
+  </p:clrMapOvr>
+  <p:timing>
+    <p:tnLst>
+      <p:par>
+        <p:cTn id="1" dur="indefinite" restart="never" nodeType="tmRoot"/>
+      </p:par>
+    </p:tnLst>
+  </p:timing>
+</p:sld>
+</file>
+
+<file path=ppt/slides/slide3.xml><?xml version="1.0" encoding="utf-8"?>
+<p:sld xmlns:a="http://schemas.openxmlformats.org/drawingml/2006/main" xmlns:r="http://schemas.openxmlformats.org/officeDocument/2006/relationships" xmlns:p="http://schemas.openxmlformats.org/presentationml/2006/main">
+  <p:cSld>
+    <p:spTree>
+      <p:nvGrpSpPr>
+        <p:cNvPr id="1" name=""/>
+        <p:cNvGrpSpPr/>
+        <p:nvPr/>
+      </p:nvGrpSpPr>
+      <p:grpSpPr>
+        <a:xfrm>
+          <a:off x="0" y="0"/>
+          <a:ext cx="0" cy="0"/>
+          <a:chOff x="0" y="0"/>
+          <a:chExt cx="0" cy="0"/>
+        </a:xfrm>
+      </p:grpSpPr>
+      <p:sp>
+        <p:nvSpPr>
+          <p:cNvPr id="2" name="Title 1"/>
+          <p:cNvSpPr>
+            <a:spLocks noGrp="1"/>
+          </p:cNvSpPr>
+          <p:nvPr>
+            <p:ph type="ctrTitle"/>
+          </p:nvPr>
+        </p:nvSpPr>
+        <p:spPr/>
+        <p:txBody>
+          <a:bodyPr/>
+          <a:lstStyle/>
+          <a:p>
+            <a:r>
+              <a:rPr lang="en-GB" dirty="0" smtClean="0"/>
+              <a:t>Return of the </a:t>
+            </a:r>
+            <a:r>
+              <a:rPr lang="en-GB" dirty="0" err="1" smtClean="0"/>
+              <a:t>Greeps</a:t>
+            </a:r>
+            <a:endParaRPr lang="en-GB" dirty="0"/>
+          </a:p>
+        </p:txBody>
+      </p:sp>
+      <p:sp>
+        <p:nvSpPr>
+          <p:cNvPr id="3" name="Subtitle 2"/>
+          <p:cNvSpPr>
+            <a:spLocks noGrp="1"/>
+          </p:cNvSpPr>
+          <p:nvPr>
+            <p:ph type="subTitle" idx="1"/>
+          </p:nvPr>
+        </p:nvSpPr>
+        <p:spPr>
+          <a:xfrm>
+            <a:off x="0" y="4458248"/>
+            <a:ext cx="3197629" cy="2399752"/>
+          </a:xfrm>
+        </p:spPr>
+        <p:txBody>
+          <a:bodyPr>
+            <a:normAutofit fontScale="92500" lnSpcReduction="10000"/>
+          </a:bodyPr>
+          <a:lstStyle/>
+          <a:p>
+            <a:r>
+              <a:rPr lang="en-GB" dirty="0" smtClean="0"/>
+              <a:t>CS18010</a:t>
+            </a:r>
+          </a:p>
+          <a:p>
+            <a:r>
+              <a:rPr lang="en-GB" dirty="0" smtClean="0"/>
+              <a:t>Team Members:</a:t>
+            </a:r>
+          </a:p>
+          <a:p>
+            <a:r>
+              <a:rPr lang="en-GB" dirty="0" smtClean="0"/>
+              <a:t>Tomos Fearn</a:t>
+            </a:r>
+          </a:p>
+          <a:p>
+            <a:r>
+              <a:rPr lang="en-GB" dirty="0" err="1" smtClean="0"/>
+              <a:t>Kamil</a:t>
+            </a:r>
+            <a:r>
+              <a:rPr lang="en-GB" dirty="0" smtClean="0"/>
+              <a:t> </a:t>
+            </a:r>
+            <a:r>
+              <a:rPr lang="en-GB" dirty="0" err="1" smtClean="0"/>
+              <a:t>Cupial</a:t>
+            </a:r>
+            <a:endParaRPr lang="en-GB" dirty="0"/>
+          </a:p>
+          <a:p>
+            <a:r>
+              <a:rPr lang="en-GB" dirty="0" smtClean="0"/>
+              <a:t>Ashley Evans</a:t>
+            </a:r>
+          </a:p>
+          <a:p>
+            <a:r>
+              <a:rPr lang="en-GB" dirty="0" err="1" smtClean="0"/>
+              <a:t>Sorres</a:t>
+            </a:r>
+            <a:r>
+              <a:rPr lang="en-GB" dirty="0" smtClean="0"/>
+              <a:t> </a:t>
+            </a:r>
+            <a:r>
+              <a:rPr lang="en-GB" dirty="0" err="1" smtClean="0"/>
+              <a:t>Arslan</a:t>
+            </a:r>
+            <a:endParaRPr lang="en-GB" dirty="0"/>
+          </a:p>
+        </p:txBody>
+      </p:sp>
+      <p:pic>
+        <p:nvPicPr>
+          <p:cNvPr id="4" name="Picture 2" descr="http://www.greenfoot.org/assets/greeps/greep-big-88464df317d37d9fb9b5fb922ae992a3.png"/>
+          <p:cNvPicPr>
+            <a:picLocks noChangeAspect="1" noChangeArrowheads="1"/>
+          </p:cNvPicPr>
+          <p:nvPr/>
+        </p:nvPicPr>
+        <p:blipFill>
+          <a:blip r:embed="rId2">
+            <a:extLst>
+              <a:ext uri="{28A0092B-C50C-407E-A947-70E740481C1C}">
+                <a14:useLocalDpi xmlns:a14="http://schemas.microsoft.com/office/drawing/2010/main" val="0"/>
+              </a:ext>
+            </a:extLst>
+          </a:blip>
+          <a:srcRect/>
+          <a:stretch>
+            <a:fillRect/>
+          </a:stretch>
+        </p:blipFill>
+        <p:spPr bwMode="auto">
+          <a:xfrm rot="9117226">
+            <a:off x="9255499" y="147580"/>
+            <a:ext cx="2284085" cy="1760649"/>
+          </a:xfrm>
+          <a:prstGeom prst="rect">
+            <a:avLst/>
+          </a:prstGeom>
+          <a:noFill/>
+          <a:extLst>
+            <a:ext uri="{909E8E84-426E-40DD-AFC4-6F175D3DCCD1}">
+              <a14:hiddenFill xmlns:a14="http://schemas.microsoft.com/office/drawing/2010/main">
+                <a:solidFill>
+                  <a:srgbClr val="FFFFFF"/>
+                </a:solidFill>
+              </a14:hiddenFill>
+            </a:ext>
+          </a:extLst>
+        </p:spPr>
+      </p:pic>
+    </p:spTree>
+    <p:extLst>
+      <p:ext uri="{BB962C8B-B14F-4D97-AF65-F5344CB8AC3E}">
+        <p14:creationId xmlns:p14="http://schemas.microsoft.com/office/powerpoint/2010/main" val="406105098"/>
+      </p:ext>
+    </p:extLst>
+  </p:cSld>
+  <p:clrMapOvr>
+    <a:masterClrMapping/>
+  </p:clrMapOvr>
+  <p:timing>
+    <p:tnLst>
+      <p:par>
+        <p:cTn id="1" dur="indefinite" restart="never" nodeType="tmRoot"/>
+      </p:par>
+    </p:tnLst>
+  </p:timing>
+</p:sld>
+</file>
+
+<file path=ppt/slides/slide4.xml><?xml version="1.0" encoding="utf-8"?>
+<p:sld xmlns:a="http://schemas.openxmlformats.org/drawingml/2006/main" xmlns:r="http://schemas.openxmlformats.org/officeDocument/2006/relationships" xmlns:p="http://schemas.openxmlformats.org/presentationml/2006/main">
+  <p:cSld>
+    <p:spTree>
+      <p:nvGrpSpPr>
+        <p:cNvPr id="1" name=""/>
+        <p:cNvGrpSpPr/>
+        <p:nvPr/>
+      </p:nvGrpSpPr>
+      <p:grpSpPr>
+        <a:xfrm>
+          <a:off x="0" y="0"/>
+          <a:ext cx="0" cy="0"/>
+          <a:chOff x="0" y="0"/>
+          <a:chExt cx="0" cy="0"/>
+        </a:xfrm>
+      </p:grpSpPr>
+      <p:sp>
+        <p:nvSpPr>
+          <p:cNvPr id="2" name="Title 1"/>
+          <p:cNvSpPr>
+            <a:spLocks noGrp="1"/>
+          </p:cNvSpPr>
+          <p:nvPr>
+            <p:ph type="title"/>
+          </p:nvPr>
+        </p:nvSpPr>
+        <p:spPr/>
+        <p:txBody>
+          <a:bodyPr/>
+          <a:lstStyle/>
+          <a:p>
+            <a:r>
+              <a:rPr lang="en-GB" dirty="0" smtClean="0"/>
+              <a:t>Temporary Page for Content</a:t>
+            </a:r>
+            <a:endParaRPr lang="en-GB" dirty="0"/>
+          </a:p>
+        </p:txBody>
+      </p:sp>
       <p:sp>
         <p:nvSpPr>
           <p:cNvPr id="3" name="Content Placeholder 2"/>
@@ -3154,8 +3953,619 @@
           <a:lstStyle/>
           <a:p>
             <a:r>
+              <a:rPr lang="en-GB" dirty="0"/>
+              <a:t>GitHub, what it is, how it works, how you found using it</a:t>
+            </a:r>
+          </a:p>
+          <a:p>
+            <a:r>
+              <a:rPr lang="en-GB" dirty="0" err="1"/>
+              <a:t>GreenFoot</a:t>
+            </a:r>
+            <a:r>
+              <a:rPr lang="en-GB" dirty="0"/>
+              <a:t>, what it is</a:t>
+            </a:r>
+          </a:p>
+          <a:p>
+            <a:r>
+              <a:rPr lang="en-GB" dirty="0" err="1"/>
+              <a:t>Greeps</a:t>
+            </a:r>
+            <a:r>
+              <a:rPr lang="en-GB" dirty="0"/>
+              <a:t>, the modifications you made, the experience had</a:t>
+            </a:r>
+          </a:p>
+          <a:p>
+            <a:r>
+              <a:rPr lang="en-GB" dirty="0"/>
+              <a:t>Demo of </a:t>
+            </a:r>
+            <a:r>
+              <a:rPr lang="en-GB" dirty="0" err="1"/>
+              <a:t>greeps</a:t>
+            </a:r>
+            <a:endParaRPr lang="en-GB" dirty="0"/>
+          </a:p>
+          <a:p>
+            <a:r>
+              <a:rPr lang="en-GB" dirty="0"/>
+              <a:t>The experience of working in a group</a:t>
+            </a:r>
+          </a:p>
+          <a:p>
+            <a:endParaRPr lang="en-GB" dirty="0"/>
+          </a:p>
+        </p:txBody>
+      </p:sp>
+      <p:pic>
+        <p:nvPicPr>
+          <p:cNvPr id="4" name="Picture 2" descr="http://www.greenfoot.org/assets/greeps/greep-big-88464df317d37d9fb9b5fb922ae992a3.png"/>
+          <p:cNvPicPr>
+            <a:picLocks noChangeAspect="1" noChangeArrowheads="1"/>
+          </p:cNvPicPr>
+          <p:nvPr/>
+        </p:nvPicPr>
+        <p:blipFill>
+          <a:blip r:embed="rId2">
+            <a:extLst>
+              <a:ext uri="{28A0092B-C50C-407E-A947-70E740481C1C}">
+                <a14:useLocalDpi xmlns:a14="http://schemas.microsoft.com/office/drawing/2010/main" val="0"/>
+              </a:ext>
+            </a:extLst>
+          </a:blip>
+          <a:srcRect/>
+          <a:stretch>
+            <a:fillRect/>
+          </a:stretch>
+        </p:blipFill>
+        <p:spPr bwMode="auto">
+          <a:xfrm rot="9117226">
+            <a:off x="9255499" y="147580"/>
+            <a:ext cx="2284085" cy="1760649"/>
+          </a:xfrm>
+          <a:prstGeom prst="rect">
+            <a:avLst/>
+          </a:prstGeom>
+          <a:noFill/>
+          <a:extLst>
+            <a:ext uri="{909E8E84-426E-40DD-AFC4-6F175D3DCCD1}">
+              <a14:hiddenFill xmlns:a14="http://schemas.microsoft.com/office/drawing/2010/main">
+                <a:solidFill>
+                  <a:srgbClr val="FFFFFF"/>
+                </a:solidFill>
+              </a14:hiddenFill>
+            </a:ext>
+          </a:extLst>
+        </p:spPr>
+      </p:pic>
+    </p:spTree>
+    <p:extLst>
+      <p:ext uri="{BB962C8B-B14F-4D97-AF65-F5344CB8AC3E}">
+        <p14:creationId xmlns:p14="http://schemas.microsoft.com/office/powerpoint/2010/main" val="310474845"/>
+      </p:ext>
+    </p:extLst>
+  </p:cSld>
+  <p:clrMapOvr>
+    <a:masterClrMapping/>
+  </p:clrMapOvr>
+  <p:timing>
+    <p:tnLst>
+      <p:par>
+        <p:cTn id="1" dur="indefinite" restart="never" nodeType="tmRoot"/>
+      </p:par>
+    </p:tnLst>
+  </p:timing>
+</p:sld>
+</file>
+
+<file path=ppt/slides/slide5.xml><?xml version="1.0" encoding="utf-8"?>
+<p:sld xmlns:a="http://schemas.openxmlformats.org/drawingml/2006/main" xmlns:r="http://schemas.openxmlformats.org/officeDocument/2006/relationships" xmlns:p="http://schemas.openxmlformats.org/presentationml/2006/main">
+  <p:cSld>
+    <p:spTree>
+      <p:nvGrpSpPr>
+        <p:cNvPr id="1" name=""/>
+        <p:cNvGrpSpPr/>
+        <p:nvPr/>
+      </p:nvGrpSpPr>
+      <p:grpSpPr>
+        <a:xfrm>
+          <a:off x="0" y="0"/>
+          <a:ext cx="0" cy="0"/>
+          <a:chOff x="0" y="0"/>
+          <a:chExt cx="0" cy="0"/>
+        </a:xfrm>
+      </p:grpSpPr>
+      <p:sp>
+        <p:nvSpPr>
+          <p:cNvPr id="2" name="Title 1"/>
+          <p:cNvSpPr>
+            <a:spLocks noGrp="1"/>
+          </p:cNvSpPr>
+          <p:nvPr>
+            <p:ph type="title"/>
+          </p:nvPr>
+        </p:nvSpPr>
+        <p:spPr/>
+        <p:txBody>
+          <a:bodyPr/>
+          <a:lstStyle/>
+          <a:p>
+            <a:r>
               <a:rPr lang="en-GB" dirty="0" smtClean="0"/>
-              <a:t>Biggest </a:t>
+              <a:t>GitHub</a:t>
+            </a:r>
+            <a:endParaRPr lang="en-GB" dirty="0"/>
+          </a:p>
+        </p:txBody>
+      </p:sp>
+      <p:sp>
+        <p:nvSpPr>
+          <p:cNvPr id="3" name="Content Placeholder 2"/>
+          <p:cNvSpPr>
+            <a:spLocks noGrp="1"/>
+          </p:cNvSpPr>
+          <p:nvPr>
+            <p:ph idx="1"/>
+          </p:nvPr>
+        </p:nvSpPr>
+        <p:spPr/>
+        <p:txBody>
+          <a:bodyPr/>
+          <a:lstStyle/>
+          <a:p>
+            <a:r>
+              <a:rPr lang="en-GB" dirty="0"/>
+              <a:t>GitHub, what it is, how it works, how you found using it</a:t>
+            </a:r>
+          </a:p>
+          <a:p>
+            <a:r>
+              <a:rPr lang="en-GB" dirty="0" smtClean="0"/>
+              <a:t>What is it?</a:t>
+            </a:r>
+          </a:p>
+          <a:p>
+            <a:r>
+              <a:rPr lang="en-GB" dirty="0" smtClean="0"/>
+              <a:t>How does it work?</a:t>
+            </a:r>
+          </a:p>
+          <a:p>
+            <a:r>
+              <a:rPr lang="en-GB" dirty="0" smtClean="0"/>
+              <a:t>How did we find using it?</a:t>
+            </a:r>
+            <a:endParaRPr lang="en-GB" dirty="0"/>
+          </a:p>
+          <a:p>
+            <a:endParaRPr lang="en-GB" dirty="0"/>
+          </a:p>
+        </p:txBody>
+      </p:sp>
+      <p:pic>
+        <p:nvPicPr>
+          <p:cNvPr id="4" name="Picture 2" descr="http://www.greenfoot.org/assets/greeps/greep-big-88464df317d37d9fb9b5fb922ae992a3.png"/>
+          <p:cNvPicPr>
+            <a:picLocks noChangeAspect="1" noChangeArrowheads="1"/>
+          </p:cNvPicPr>
+          <p:nvPr/>
+        </p:nvPicPr>
+        <p:blipFill>
+          <a:blip r:embed="rId2">
+            <a:extLst>
+              <a:ext uri="{28A0092B-C50C-407E-A947-70E740481C1C}">
+                <a14:useLocalDpi xmlns:a14="http://schemas.microsoft.com/office/drawing/2010/main" val="0"/>
+              </a:ext>
+            </a:extLst>
+          </a:blip>
+          <a:srcRect/>
+          <a:stretch>
+            <a:fillRect/>
+          </a:stretch>
+        </p:blipFill>
+        <p:spPr bwMode="auto">
+          <a:xfrm rot="9117226">
+            <a:off x="9255499" y="147580"/>
+            <a:ext cx="2284085" cy="1760649"/>
+          </a:xfrm>
+          <a:prstGeom prst="rect">
+            <a:avLst/>
+          </a:prstGeom>
+          <a:noFill/>
+          <a:extLst>
+            <a:ext uri="{909E8E84-426E-40DD-AFC4-6F175D3DCCD1}">
+              <a14:hiddenFill xmlns:a14="http://schemas.microsoft.com/office/drawing/2010/main">
+                <a:solidFill>
+                  <a:srgbClr val="FFFFFF"/>
+                </a:solidFill>
+              </a14:hiddenFill>
+            </a:ext>
+          </a:extLst>
+        </p:spPr>
+      </p:pic>
+    </p:spTree>
+    <p:extLst>
+      <p:ext uri="{BB962C8B-B14F-4D97-AF65-F5344CB8AC3E}">
+        <p14:creationId xmlns:p14="http://schemas.microsoft.com/office/powerpoint/2010/main" val="3807619685"/>
+      </p:ext>
+    </p:extLst>
+  </p:cSld>
+  <p:clrMapOvr>
+    <a:masterClrMapping/>
+  </p:clrMapOvr>
+  <p:timing>
+    <p:tnLst>
+      <p:par>
+        <p:cTn id="1" dur="indefinite" restart="never" nodeType="tmRoot"/>
+      </p:par>
+    </p:tnLst>
+  </p:timing>
+</p:sld>
+</file>
+
+<file path=ppt/slides/slide6.xml><?xml version="1.0" encoding="utf-8"?>
+<p:sld xmlns:a="http://schemas.openxmlformats.org/drawingml/2006/main" xmlns:r="http://schemas.openxmlformats.org/officeDocument/2006/relationships" xmlns:p="http://schemas.openxmlformats.org/presentationml/2006/main">
+  <p:cSld>
+    <p:spTree>
+      <p:nvGrpSpPr>
+        <p:cNvPr id="1" name=""/>
+        <p:cNvGrpSpPr/>
+        <p:nvPr/>
+      </p:nvGrpSpPr>
+      <p:grpSpPr>
+        <a:xfrm>
+          <a:off x="0" y="0"/>
+          <a:ext cx="0" cy="0"/>
+          <a:chOff x="0" y="0"/>
+          <a:chExt cx="0" cy="0"/>
+        </a:xfrm>
+      </p:grpSpPr>
+      <p:sp>
+        <p:nvSpPr>
+          <p:cNvPr id="2" name="Title 1"/>
+          <p:cNvSpPr>
+            <a:spLocks noGrp="1"/>
+          </p:cNvSpPr>
+          <p:nvPr>
+            <p:ph type="title"/>
+          </p:nvPr>
+        </p:nvSpPr>
+        <p:spPr/>
+        <p:txBody>
+          <a:bodyPr/>
+          <a:lstStyle/>
+          <a:p>
+            <a:r>
+              <a:rPr lang="en-GB" dirty="0" err="1" smtClean="0"/>
+              <a:t>GreenFoot</a:t>
+            </a:r>
+            <a:endParaRPr lang="en-GB" dirty="0"/>
+          </a:p>
+        </p:txBody>
+      </p:sp>
+      <p:sp>
+        <p:nvSpPr>
+          <p:cNvPr id="3" name="Content Placeholder 2"/>
+          <p:cNvSpPr>
+            <a:spLocks noGrp="1"/>
+          </p:cNvSpPr>
+          <p:nvPr>
+            <p:ph idx="1"/>
+          </p:nvPr>
+        </p:nvSpPr>
+        <p:spPr/>
+        <p:txBody>
+          <a:bodyPr/>
+          <a:lstStyle/>
+          <a:p>
+            <a:r>
+              <a:rPr lang="en-GB" dirty="0" smtClean="0"/>
+              <a:t>What is </a:t>
+            </a:r>
+            <a:r>
+              <a:rPr lang="en-GB" dirty="0" err="1" smtClean="0"/>
+              <a:t>GreenFoot</a:t>
+            </a:r>
+            <a:r>
+              <a:rPr lang="en-GB" dirty="0" smtClean="0"/>
+              <a:t>?</a:t>
+            </a:r>
+            <a:endParaRPr lang="en-GB" dirty="0"/>
+          </a:p>
+          <a:p>
+            <a:endParaRPr lang="en-GB" dirty="0"/>
+          </a:p>
+        </p:txBody>
+      </p:sp>
+      <p:pic>
+        <p:nvPicPr>
+          <p:cNvPr id="4" name="Picture 2" descr="http://www.greenfoot.org/assets/greeps/greep-big-88464df317d37d9fb9b5fb922ae992a3.png"/>
+          <p:cNvPicPr>
+            <a:picLocks noChangeAspect="1" noChangeArrowheads="1"/>
+          </p:cNvPicPr>
+          <p:nvPr/>
+        </p:nvPicPr>
+        <p:blipFill>
+          <a:blip r:embed="rId2">
+            <a:extLst>
+              <a:ext uri="{28A0092B-C50C-407E-A947-70E740481C1C}">
+                <a14:useLocalDpi xmlns:a14="http://schemas.microsoft.com/office/drawing/2010/main" val="0"/>
+              </a:ext>
+            </a:extLst>
+          </a:blip>
+          <a:srcRect/>
+          <a:stretch>
+            <a:fillRect/>
+          </a:stretch>
+        </p:blipFill>
+        <p:spPr bwMode="auto">
+          <a:xfrm rot="9117226">
+            <a:off x="9255499" y="147580"/>
+            <a:ext cx="2284085" cy="1760649"/>
+          </a:xfrm>
+          <a:prstGeom prst="rect">
+            <a:avLst/>
+          </a:prstGeom>
+          <a:noFill/>
+          <a:extLst>
+            <a:ext uri="{909E8E84-426E-40DD-AFC4-6F175D3DCCD1}">
+              <a14:hiddenFill xmlns:a14="http://schemas.microsoft.com/office/drawing/2010/main">
+                <a:solidFill>
+                  <a:srgbClr val="FFFFFF"/>
+                </a:solidFill>
+              </a14:hiddenFill>
+            </a:ext>
+          </a:extLst>
+        </p:spPr>
+      </p:pic>
+    </p:spTree>
+    <p:extLst>
+      <p:ext uri="{BB962C8B-B14F-4D97-AF65-F5344CB8AC3E}">
+        <p14:creationId xmlns:p14="http://schemas.microsoft.com/office/powerpoint/2010/main" val="3623184723"/>
+      </p:ext>
+    </p:extLst>
+  </p:cSld>
+  <p:clrMapOvr>
+    <a:masterClrMapping/>
+  </p:clrMapOvr>
+  <p:timing>
+    <p:tnLst>
+      <p:par>
+        <p:cTn id="1" dur="indefinite" restart="never" nodeType="tmRoot"/>
+      </p:par>
+    </p:tnLst>
+  </p:timing>
+</p:sld>
+</file>
+
+<file path=ppt/slides/slide7.xml><?xml version="1.0" encoding="utf-8"?>
+<p:sld xmlns:a="http://schemas.openxmlformats.org/drawingml/2006/main" xmlns:r="http://schemas.openxmlformats.org/officeDocument/2006/relationships" xmlns:p="http://schemas.openxmlformats.org/presentationml/2006/main">
+  <p:cSld>
+    <p:spTree>
+      <p:nvGrpSpPr>
+        <p:cNvPr id="1" name=""/>
+        <p:cNvGrpSpPr/>
+        <p:nvPr/>
+      </p:nvGrpSpPr>
+      <p:grpSpPr>
+        <a:xfrm>
+          <a:off x="0" y="0"/>
+          <a:ext cx="0" cy="0"/>
+          <a:chOff x="0" y="0"/>
+          <a:chExt cx="0" cy="0"/>
+        </a:xfrm>
+      </p:grpSpPr>
+      <p:sp>
+        <p:nvSpPr>
+          <p:cNvPr id="2" name="Title 1"/>
+          <p:cNvSpPr>
+            <a:spLocks noGrp="1"/>
+          </p:cNvSpPr>
+          <p:nvPr>
+            <p:ph type="title"/>
+          </p:nvPr>
+        </p:nvSpPr>
+        <p:spPr/>
+        <p:txBody>
+          <a:bodyPr/>
+          <a:lstStyle/>
+          <a:p>
+            <a:r>
+              <a:rPr lang="en-GB" dirty="0" smtClean="0"/>
+              <a:t>Evolution of our </a:t>
+            </a:r>
+            <a:r>
+              <a:rPr lang="en-GB" dirty="0" err="1" smtClean="0"/>
+              <a:t>Greeps</a:t>
+            </a:r>
+            <a:r>
+              <a:rPr lang="en-GB" dirty="0" smtClean="0"/>
+              <a:t>…</a:t>
+            </a:r>
+            <a:endParaRPr lang="en-GB" dirty="0"/>
+          </a:p>
+        </p:txBody>
+      </p:sp>
+      <p:sp>
+        <p:nvSpPr>
+          <p:cNvPr id="3" name="Content Placeholder 2"/>
+          <p:cNvSpPr>
+            <a:spLocks noGrp="1"/>
+          </p:cNvSpPr>
+          <p:nvPr>
+            <p:ph idx="1"/>
+          </p:nvPr>
+        </p:nvSpPr>
+        <p:spPr/>
+        <p:txBody>
+          <a:bodyPr/>
+          <a:lstStyle/>
+          <a:p>
+            <a:r>
+              <a:rPr lang="en-GB" dirty="0" smtClean="0"/>
+              <a:t>What are the modifications we have made to the </a:t>
+            </a:r>
+            <a:r>
+              <a:rPr lang="en-GB" dirty="0" err="1" smtClean="0"/>
+              <a:t>Greeps</a:t>
+            </a:r>
+            <a:r>
+              <a:rPr lang="en-GB" dirty="0" smtClean="0"/>
+              <a:t>?</a:t>
+            </a:r>
+          </a:p>
+          <a:p>
+            <a:r>
+              <a:rPr lang="en-GB" dirty="0" smtClean="0"/>
+              <a:t>The experience we’ve had doing it.</a:t>
+            </a:r>
+            <a:endParaRPr lang="en-GB" dirty="0"/>
+          </a:p>
+        </p:txBody>
+      </p:sp>
+      <p:pic>
+        <p:nvPicPr>
+          <p:cNvPr id="4" name="Picture 2" descr="http://www.greenfoot.org/assets/greeps/greep-big-88464df317d37d9fb9b5fb922ae992a3.png"/>
+          <p:cNvPicPr>
+            <a:picLocks noChangeAspect="1" noChangeArrowheads="1"/>
+          </p:cNvPicPr>
+          <p:nvPr/>
+        </p:nvPicPr>
+        <p:blipFill>
+          <a:blip r:embed="rId2">
+            <a:extLst>
+              <a:ext uri="{28A0092B-C50C-407E-A947-70E740481C1C}">
+                <a14:useLocalDpi xmlns:a14="http://schemas.microsoft.com/office/drawing/2010/main" val="0"/>
+              </a:ext>
+            </a:extLst>
+          </a:blip>
+          <a:srcRect/>
+          <a:stretch>
+            <a:fillRect/>
+          </a:stretch>
+        </p:blipFill>
+        <p:spPr bwMode="auto">
+          <a:xfrm rot="9117226">
+            <a:off x="9255499" y="147580"/>
+            <a:ext cx="2284085" cy="1760649"/>
+          </a:xfrm>
+          <a:prstGeom prst="rect">
+            <a:avLst/>
+          </a:prstGeom>
+          <a:noFill/>
+          <a:extLst>
+            <a:ext uri="{909E8E84-426E-40DD-AFC4-6F175D3DCCD1}">
+              <a14:hiddenFill xmlns:a14="http://schemas.microsoft.com/office/drawing/2010/main">
+                <a:solidFill>
+                  <a:srgbClr val="FFFFFF"/>
+                </a:solidFill>
+              </a14:hiddenFill>
+            </a:ext>
+          </a:extLst>
+        </p:spPr>
+      </p:pic>
+    </p:spTree>
+    <p:extLst>
+      <p:ext uri="{BB962C8B-B14F-4D97-AF65-F5344CB8AC3E}">
+        <p14:creationId xmlns:p14="http://schemas.microsoft.com/office/powerpoint/2010/main" val="3058356797"/>
+      </p:ext>
+    </p:extLst>
+  </p:cSld>
+  <p:clrMapOvr>
+    <a:masterClrMapping/>
+  </p:clrMapOvr>
+  <p:timing>
+    <p:tnLst>
+      <p:par>
+        <p:cTn id="1" dur="indefinite" restart="never" nodeType="tmRoot"/>
+      </p:par>
+    </p:tnLst>
+  </p:timing>
+</p:sld>
+</file>
+
+<file path=ppt/slides/slide8.xml><?xml version="1.0" encoding="utf-8"?>
+<p:sld xmlns:a="http://schemas.openxmlformats.org/drawingml/2006/main" xmlns:r="http://schemas.openxmlformats.org/officeDocument/2006/relationships" xmlns:p="http://schemas.openxmlformats.org/presentationml/2006/main">
+  <p:cSld>
+    <p:spTree>
+      <p:nvGrpSpPr>
+        <p:cNvPr id="1" name=""/>
+        <p:cNvGrpSpPr/>
+        <p:nvPr/>
+      </p:nvGrpSpPr>
+      <p:grpSpPr>
+        <a:xfrm>
+          <a:off x="0" y="0"/>
+          <a:ext cx="0" cy="0"/>
+          <a:chOff x="0" y="0"/>
+          <a:chExt cx="0" cy="0"/>
+        </a:xfrm>
+      </p:grpSpPr>
+      <p:sp>
+        <p:nvSpPr>
+          <p:cNvPr id="2" name="Title 1"/>
+          <p:cNvSpPr>
+            <a:spLocks noGrp="1"/>
+          </p:cNvSpPr>
+          <p:nvPr>
+            <p:ph type="title"/>
+          </p:nvPr>
+        </p:nvSpPr>
+        <p:spPr/>
+        <p:txBody>
+          <a:bodyPr/>
+          <a:lstStyle/>
+          <a:p>
+            <a:r>
+              <a:rPr lang="en-GB" dirty="0" smtClean="0"/>
+              <a:t>Our Basic Structure</a:t>
+            </a:r>
+            <a:endParaRPr lang="en-GB" dirty="0"/>
+          </a:p>
+        </p:txBody>
+      </p:sp>
+      <p:sp>
+        <p:nvSpPr>
+          <p:cNvPr id="3" name="Content Placeholder 2"/>
+          <p:cNvSpPr>
+            <a:spLocks noGrp="1"/>
+          </p:cNvSpPr>
+          <p:nvPr>
+            <p:ph idx="1"/>
+          </p:nvPr>
+        </p:nvSpPr>
+        <p:spPr>
+          <a:xfrm>
+            <a:off x="95250" y="1196975"/>
+            <a:ext cx="10515600" cy="4351338"/>
+          </a:xfrm>
+        </p:spPr>
+        <p:txBody>
+          <a:bodyPr/>
+          <a:lstStyle/>
+          <a:p>
+            <a:r>
+              <a:rPr lang="en-GB" dirty="0" err="1" smtClean="0"/>
+              <a:t>Greeps</a:t>
+            </a:r>
+            <a:r>
+              <a:rPr lang="en-GB" dirty="0" smtClean="0"/>
+              <a:t> are born very stupid and understand very little…</a:t>
+            </a:r>
+          </a:p>
+          <a:p>
+            <a:r>
+              <a:rPr lang="en-GB" dirty="0" smtClean="0"/>
+              <a:t>3 basic situations</a:t>
+            </a:r>
+          </a:p>
+          <a:p>
+            <a:pPr lvl="1"/>
+            <a:r>
+              <a:rPr lang="en-GB" dirty="0" smtClean="0"/>
+              <a:t>If the </a:t>
             </a:r>
             <a:r>
               <a:rPr lang="en-GB" dirty="0" err="1" smtClean="0"/>
@@ -3163,86 +4573,73 @@
             </a:r>
             <a:r>
               <a:rPr lang="en-GB" dirty="0" smtClean="0"/>
-              <a:t> problem:</a:t>
-            </a:r>
-          </a:p>
-          <a:p>
-            <a:pPr marL="0" indent="0">
-              <a:buNone/>
-            </a:pPr>
+              <a:t> is carrying a tomato then run </a:t>
+            </a:r>
+            <a:r>
+              <a:rPr lang="en-GB" dirty="0" err="1" smtClean="0"/>
+              <a:t>turnHome</a:t>
+            </a:r>
+            <a:r>
+              <a:rPr lang="en-GB" dirty="0" smtClean="0"/>
+              <a:t>() and move().</a:t>
+            </a:r>
+          </a:p>
+          <a:p>
+            <a:pPr lvl="1"/>
             <a:r>
               <a:rPr lang="en-GB" dirty="0"/>
-              <a:t>	</a:t>
-            </a:r>
-            <a:r>
-              <a:rPr lang="en-GB" dirty="0" err="1" smtClean="0"/>
-              <a:t>Greeps</a:t>
+              <a:t>If the </a:t>
+            </a:r>
+            <a:r>
+              <a:rPr lang="en-GB" dirty="0" err="1"/>
+              <a:t>Greep</a:t>
+            </a:r>
+            <a:r>
+              <a:rPr lang="en-GB" dirty="0"/>
+              <a:t> </a:t>
             </a:r>
             <a:r>
               <a:rPr lang="en-GB" dirty="0" smtClean="0"/>
-              <a:t> are very stupid.</a:t>
-            </a:r>
-          </a:p>
-          <a:p>
+              <a:t>has arrived </a:t>
+            </a:r>
+            <a:r>
+              <a:rPr lang="en-GB" dirty="0"/>
+              <a:t>at the </a:t>
+            </a:r>
             <a:r>
               <a:rPr lang="en-GB" dirty="0" smtClean="0"/>
-              <a:t>Memory:</a:t>
-            </a:r>
-          </a:p>
-          <a:p>
-            <a:pPr marL="0" indent="0">
-              <a:buNone/>
-            </a:pPr>
+              <a:t>ship (Home) </a:t>
+            </a:r>
             <a:r>
               <a:rPr lang="en-GB" dirty="0"/>
-              <a:t>	</a:t>
-            </a:r>
-            <a:r>
-              <a:rPr lang="en-GB" dirty="0" err="1" smtClean="0"/>
-              <a:t>Greeps</a:t>
+              <a:t>then drop the </a:t>
             </a:r>
             <a:r>
               <a:rPr lang="en-GB" dirty="0" smtClean="0"/>
-              <a:t> would often go back to their known pile of tomatoes. Even if they were all gone they would stick to these coordinates.</a:t>
-            </a:r>
-          </a:p>
-          <a:p>
+              <a:t>tomato.</a:t>
+            </a:r>
+          </a:p>
+          <a:p>
+            <a:pPr lvl="1"/>
             <a:r>
               <a:rPr lang="en-GB" dirty="0" smtClean="0"/>
-              <a:t>Forgetful:</a:t>
-            </a:r>
-          </a:p>
-          <a:p>
-            <a:pPr marL="0" indent="0">
-              <a:buNone/>
-            </a:pPr>
-            <a:r>
-              <a:rPr lang="en-GB" dirty="0"/>
-              <a:t>	</a:t>
-            </a:r>
-            <a:r>
-              <a:rPr lang="en-GB" dirty="0" smtClean="0"/>
-              <a:t>Their ship has its own data bank because the </a:t>
-            </a:r>
-            <a:r>
-              <a:rPr lang="en-GB" dirty="0" err="1" smtClean="0"/>
-              <a:t>Greeps</a:t>
-            </a:r>
-            <a:r>
-              <a:rPr lang="en-GB" dirty="0" smtClean="0"/>
-              <a:t> can only know where one pile is at a time.			To </a:t>
-            </a:r>
-            <a:r>
-              <a:rPr lang="en-GB" smtClean="0"/>
-              <a:t>be continued..</a:t>
-            </a:r>
+              <a:t>Else wonder about looking for tomatoes.</a:t>
+            </a:r>
+            <a:endParaRPr lang="en-GB" dirty="0"/>
+          </a:p>
+          <a:p>
+            <a:pPr lvl="1"/>
+            <a:endParaRPr lang="en-GB" dirty="0" smtClean="0"/>
+          </a:p>
+          <a:p>
+            <a:pPr lvl="1"/>
             <a:endParaRPr lang="en-GB" dirty="0"/>
           </a:p>
         </p:txBody>
       </p:sp>
       <p:pic>
         <p:nvPicPr>
-          <p:cNvPr id="1026" name="Picture 2" descr="http://www.greenfoot.org/assets/greeps/greep-big-88464df317d37d9fb9b5fb922ae992a3.png"/>
+          <p:cNvPr id="4" name="Picture 2" descr="http://www.greenfoot.org/assets/greeps/greep-big-88464df317d37d9fb9b5fb922ae992a3.png"/>
           <p:cNvPicPr>
             <a:picLocks noChangeAspect="1" noChangeArrowheads="1"/>
           </p:cNvPicPr>
@@ -3283,7 +4680,220 @@
       </p:pic>
       <p:pic>
         <p:nvPicPr>
-          <p:cNvPr id="1028" name="Picture 4" descr="http://outlookcolumbus.com/wp-content/uploads/2015/03/dory.jpg"/>
+          <p:cNvPr id="5" name="Picture 4"/>
+          <p:cNvPicPr>
+            <a:picLocks noChangeAspect="1"/>
+          </p:cNvPicPr>
+          <p:nvPr/>
+        </p:nvPicPr>
+        <p:blipFill rotWithShape="1">
+          <a:blip r:embed="rId3"/>
+          <a:srcRect l="1692" t="41462" r="82488" b="25088"/>
+          <a:stretch/>
+        </p:blipFill>
+        <p:spPr>
+          <a:xfrm>
+            <a:off x="6867891" y="3202510"/>
+            <a:ext cx="4951496" cy="3441032"/>
+          </a:xfrm>
+          <a:prstGeom prst="rect">
+            <a:avLst/>
+          </a:prstGeom>
+        </p:spPr>
+      </p:pic>
+    </p:spTree>
+    <p:extLst>
+      <p:ext uri="{BB962C8B-B14F-4D97-AF65-F5344CB8AC3E}">
+        <p14:creationId xmlns:p14="http://schemas.microsoft.com/office/powerpoint/2010/main" val="3289497672"/>
+      </p:ext>
+    </p:extLst>
+  </p:cSld>
+  <p:clrMapOvr>
+    <a:masterClrMapping/>
+  </p:clrMapOvr>
+  <p:timing>
+    <p:tnLst>
+      <p:par>
+        <p:cTn id="1" dur="indefinite" restart="never" nodeType="tmRoot"/>
+      </p:par>
+    </p:tnLst>
+  </p:timing>
+</p:sld>
+</file>
+
+<file path=ppt/slides/slide9.xml><?xml version="1.0" encoding="utf-8"?>
+<p:sld xmlns:a="http://schemas.openxmlformats.org/drawingml/2006/main" xmlns:r="http://schemas.openxmlformats.org/officeDocument/2006/relationships" xmlns:p="http://schemas.openxmlformats.org/presentationml/2006/main">
+  <p:cSld>
+    <p:spTree>
+      <p:nvGrpSpPr>
+        <p:cNvPr id="1" name=""/>
+        <p:cNvGrpSpPr/>
+        <p:nvPr/>
+      </p:nvGrpSpPr>
+      <p:grpSpPr>
+        <a:xfrm>
+          <a:off x="0" y="0"/>
+          <a:ext cx="0" cy="0"/>
+          <a:chOff x="0" y="0"/>
+          <a:chExt cx="0" cy="0"/>
+        </a:xfrm>
+      </p:grpSpPr>
+      <p:sp>
+        <p:nvSpPr>
+          <p:cNvPr id="2" name="Title 1"/>
+          <p:cNvSpPr>
+            <a:spLocks noGrp="1"/>
+          </p:cNvSpPr>
+          <p:nvPr>
+            <p:ph type="title"/>
+          </p:nvPr>
+        </p:nvSpPr>
+        <p:spPr/>
+        <p:txBody>
+          <a:bodyPr/>
+          <a:lstStyle/>
+          <a:p>
+            <a:r>
+              <a:rPr lang="en-GB" dirty="0" smtClean="0"/>
+              <a:t>Our Main Problems</a:t>
+            </a:r>
+            <a:endParaRPr lang="en-GB" dirty="0"/>
+          </a:p>
+        </p:txBody>
+      </p:sp>
+      <p:sp>
+        <p:nvSpPr>
+          <p:cNvPr id="3" name="Content Placeholder 2"/>
+          <p:cNvSpPr>
+            <a:spLocks noGrp="1"/>
+          </p:cNvSpPr>
+          <p:nvPr>
+            <p:ph idx="1"/>
+          </p:nvPr>
+        </p:nvSpPr>
+        <p:spPr>
+          <a:xfrm>
+            <a:off x="95250" y="1196975"/>
+            <a:ext cx="8880446" cy="4351338"/>
+          </a:xfrm>
+        </p:spPr>
+        <p:txBody>
+          <a:bodyPr/>
+          <a:lstStyle/>
+          <a:p>
+            <a:r>
+              <a:rPr lang="en-GB" dirty="0" smtClean="0"/>
+              <a:t>The memory of the </a:t>
+            </a:r>
+            <a:r>
+              <a:rPr lang="en-GB" dirty="0" err="1" smtClean="0"/>
+              <a:t>Greeps</a:t>
+            </a:r>
+            <a:r>
+              <a:rPr lang="en-GB" dirty="0" smtClean="0"/>
+              <a:t> was one of the biggest problems during the project</a:t>
+            </a:r>
+          </a:p>
+          <a:p>
+            <a:r>
+              <a:rPr lang="en-GB" dirty="0" smtClean="0"/>
+              <a:t>Problem:</a:t>
+            </a:r>
+          </a:p>
+          <a:p>
+            <a:pPr marL="685800" lvl="2">
+              <a:spcBef>
+                <a:spcPts val="1000"/>
+              </a:spcBef>
+            </a:pPr>
+            <a:r>
+              <a:rPr lang="en-GB" dirty="0" err="1"/>
+              <a:t>Greeps</a:t>
+            </a:r>
+            <a:r>
+              <a:rPr lang="en-GB" dirty="0"/>
+              <a:t> are can only remember 1 location at a time</a:t>
+            </a:r>
+            <a:r>
+              <a:rPr lang="en-GB" dirty="0" smtClean="0"/>
+              <a:t>.</a:t>
+            </a:r>
+          </a:p>
+          <a:p>
+            <a:r>
+              <a:rPr lang="en-GB" dirty="0" smtClean="0"/>
+              <a:t>Solution: </a:t>
+            </a:r>
+          </a:p>
+          <a:p>
+            <a:pPr lvl="1"/>
+            <a:r>
+              <a:rPr lang="en-GB" dirty="0" smtClean="0"/>
+              <a:t>Every time a </a:t>
+            </a:r>
+            <a:r>
+              <a:rPr lang="en-GB" dirty="0" err="1" smtClean="0"/>
+              <a:t>Greep</a:t>
+            </a:r>
+            <a:r>
+              <a:rPr lang="en-GB" dirty="0" smtClean="0"/>
+              <a:t> returns to the Ship it reads the memory bank from the ship where locations of the piles of tomatoes are known </a:t>
+            </a:r>
+          </a:p>
+          <a:p>
+            <a:pPr lvl="1"/>
+            <a:endParaRPr lang="en-GB" dirty="0" smtClean="0"/>
+          </a:p>
+          <a:p>
+            <a:pPr lvl="1"/>
+            <a:endParaRPr lang="en-GB" dirty="0"/>
+          </a:p>
+        </p:txBody>
+      </p:sp>
+      <p:pic>
+        <p:nvPicPr>
+          <p:cNvPr id="4" name="Picture 2" descr="http://www.greenfoot.org/assets/greeps/greep-big-88464df317d37d9fb9b5fb922ae992a3.png"/>
+          <p:cNvPicPr>
+            <a:picLocks noChangeAspect="1" noChangeArrowheads="1"/>
+          </p:cNvPicPr>
+          <p:nvPr/>
+        </p:nvPicPr>
+        <p:blipFill>
+          <a:blip r:embed="rId2">
+            <a:extLst>
+              <a:ext uri="{28A0092B-C50C-407E-A947-70E740481C1C}">
+                <a14:useLocalDpi xmlns:a14="http://schemas.microsoft.com/office/drawing/2010/main" val="0"/>
+              </a:ext>
+            </a:extLst>
+          </a:blip>
+          <a:srcRect/>
+          <a:stretch>
+            <a:fillRect/>
+          </a:stretch>
+        </p:blipFill>
+        <p:spPr bwMode="auto">
+          <a:xfrm rot="9117226">
+            <a:off x="9255499" y="147580"/>
+            <a:ext cx="2284085" cy="1760649"/>
+          </a:xfrm>
+          <a:prstGeom prst="rect">
+            <a:avLst/>
+          </a:prstGeom>
+          <a:noFill/>
+          <a:extLst>
+            <a:ext uri="{909E8E84-426E-40DD-AFC4-6F175D3DCCD1}">
+              <a14:hiddenFill xmlns:a14="http://schemas.microsoft.com/office/drawing/2010/main">
+                <a:solidFill>
+                  <a:srgbClr val="FFFFFF"/>
+                </a:solidFill>
+              </a14:hiddenFill>
+            </a:ext>
+          </a:extLst>
+        </p:spPr>
+      </p:pic>
+      <p:pic>
+        <p:nvPicPr>
+          <p:cNvPr id="6" name="Picture 4" descr="http://outlookcolumbus.com/wp-content/uploads/2015/03/dory.jpg"/>
           <p:cNvPicPr>
             <a:picLocks noChangeAspect="1" noChangeArrowheads="1"/>
           </p:cNvPicPr>
@@ -3304,8 +4914,8 @@
         </p:blipFill>
         <p:spPr bwMode="auto">
           <a:xfrm>
-            <a:off x="5835159" y="5203065"/>
-            <a:ext cx="1863087" cy="1551948"/>
+            <a:off x="9510226" y="3594648"/>
+            <a:ext cx="2309161" cy="1923527"/>
           </a:xfrm>
           <a:prstGeom prst="rect">
             <a:avLst/>
@@ -3322,51 +4932,111 @@
           </a:extLst>
         </p:spPr>
       </p:pic>
-      <p:pic>
-        <p:nvPicPr>
-          <p:cNvPr id="6" name="Picture 2" descr="http://www.greenfoot.org/assets/greeps/greep-big-88464df317d37d9fb9b5fb922ae992a3.png"/>
-          <p:cNvPicPr>
-            <a:picLocks noChangeAspect="1" noChangeArrowheads="1"/>
-          </p:cNvPicPr>
+      <p:sp>
+        <p:nvSpPr>
+          <p:cNvPr id="8" name="TextBox 7"/>
+          <p:cNvSpPr txBox="1"/>
           <p:nvPr/>
-        </p:nvPicPr>
-        <p:blipFill>
-          <a:blip r:embed="rId4" cstate="print">
-            <a:extLst>
-              <a:ext uri="{28A0092B-C50C-407E-A947-70E740481C1C}">
-                <a14:useLocalDpi xmlns:a14="http://schemas.microsoft.com/office/drawing/2010/main" val="0"/>
-              </a:ext>
-            </a:extLst>
-          </a:blip>
-          <a:srcRect/>
-          <a:stretch>
-            <a:fillRect/>
-          </a:stretch>
-        </p:blipFill>
-        <p:spPr bwMode="auto">
-          <a:xfrm rot="12681166">
-            <a:off x="6819301" y="5561390"/>
-            <a:ext cx="442479" cy="326365"/>
+        </p:nvSpPr>
+        <p:spPr>
+          <a:xfrm>
+            <a:off x="10080071" y="3023093"/>
+            <a:ext cx="1047750" cy="646331"/>
           </a:xfrm>
           <a:prstGeom prst="rect">
             <a:avLst/>
           </a:prstGeom>
           <a:noFill/>
-          <a:extLst>
-            <a:ext uri="{909E8E84-426E-40DD-AFC4-6F175D3DCCD1}">
-              <a14:hiddenFill xmlns:a14="http://schemas.microsoft.com/office/drawing/2010/main">
-                <a:solidFill>
-                  <a:srgbClr val="FFFFFF"/>
-                </a:solidFill>
-              </a14:hiddenFill>
-            </a:ext>
-          </a:extLst>
         </p:spPr>
-      </p:pic>
+        <p:txBody>
+          <a:bodyPr wrap="square" rtlCol="0">
+            <a:spAutoFit/>
+          </a:bodyPr>
+          <a:lstStyle/>
+          <a:p>
+            <a:pPr algn="ctr"/>
+            <a:r>
+              <a:rPr lang="en-GB" sz="3600" dirty="0" smtClean="0"/>
+              <a:t>?</a:t>
+            </a:r>
+            <a:endParaRPr lang="en-GB" sz="3600" dirty="0"/>
+          </a:p>
+        </p:txBody>
+      </p:sp>
+      <p:sp>
+        <p:nvSpPr>
+          <p:cNvPr id="9" name="TextBox 8"/>
+          <p:cNvSpPr txBox="1"/>
+          <p:nvPr/>
+        </p:nvSpPr>
+        <p:spPr>
+          <a:xfrm>
+            <a:off x="9182100" y="211341"/>
+            <a:ext cx="1047750" cy="646331"/>
+          </a:xfrm>
+          <a:prstGeom prst="rect">
+            <a:avLst/>
+          </a:prstGeom>
+          <a:noFill/>
+        </p:spPr>
+        <p:txBody>
+          <a:bodyPr wrap="square" rtlCol="0">
+            <a:spAutoFit/>
+          </a:bodyPr>
+          <a:lstStyle/>
+          <a:p>
+            <a:pPr algn="ctr"/>
+            <a:r>
+              <a:rPr lang="en-GB" sz="3600" dirty="0" smtClean="0"/>
+              <a:t>?</a:t>
+            </a:r>
+            <a:endParaRPr lang="en-GB" sz="3600" dirty="0"/>
+          </a:p>
+        </p:txBody>
+      </p:sp>
+      <p:sp>
+        <p:nvSpPr>
+          <p:cNvPr id="10" name="TextBox 9"/>
+          <p:cNvSpPr txBox="1"/>
+          <p:nvPr/>
+        </p:nvSpPr>
+        <p:spPr>
+          <a:xfrm>
+            <a:off x="8731232" y="1844472"/>
+            <a:ext cx="3460768" cy="1200329"/>
+          </a:xfrm>
+          <a:prstGeom prst="rect">
+            <a:avLst/>
+          </a:prstGeom>
+          <a:noFill/>
+        </p:spPr>
+        <p:txBody>
+          <a:bodyPr wrap="square" rtlCol="0">
+            <a:spAutoFit/>
+          </a:bodyPr>
+          <a:lstStyle/>
+          <a:p>
+            <a:pPr algn="ctr"/>
+            <a:r>
+              <a:rPr lang="en-GB" sz="3600" dirty="0" err="1" smtClean="0"/>
+              <a:t>Greeps</a:t>
+            </a:r>
+            <a:r>
+              <a:rPr lang="en-GB" sz="3600" dirty="0" smtClean="0"/>
+              <a:t> are </a:t>
+            </a:r>
+            <a:r>
+              <a:rPr lang="en-GB" sz="3600" dirty="0" err="1" smtClean="0"/>
+              <a:t>forgetfull</a:t>
+            </a:r>
+            <a:endParaRPr lang="en-GB" sz="3600" dirty="0"/>
+          </a:p>
+        </p:txBody>
+      </p:sp>
     </p:spTree>
     <p:extLst>
       <p:ext uri="{BB962C8B-B14F-4D97-AF65-F5344CB8AC3E}">
-        <p14:creationId xmlns:p14="http://schemas.microsoft.com/office/powerpoint/2010/main" val="3431481412"/>
+        <p14:creationId xmlns:p14="http://schemas.microsoft.com/office/powerpoint/2010/main" val="3394450886"/>
       </p:ext>
     </p:extLst>
   </p:cSld>
